--- a/4710PresentationUpdated.pptx
+++ b/4710PresentationUpdated.pptx
@@ -1530,58 +1530,12 @@
               <a:defRPr/>
             </a:pPr>
             <a:r>
+              <a:rPr lang="en-US"/>
+              <a:t>To </a:t>
+            </a:r>
+            <a:r>
               <a:rPr lang="en-US" dirty="0"/>
-              <a:t>Next, we computed the frequency similarities among the six age/gender combo subgroups – 18 to 33 Year Old Male and Female, 34 to 50 Year Old Male and Female and greater than 50 years old Male and Female. We omitted the symptoms that had 0 positive reports, reducing the number of symptoms from 45 to 38. For each age/gender subgroup and for each symptom, we computed the frequencies and percentages of the positive reports. Then each subgroup has a vector of occurrence percentage for the symptoms. </a:t>
-            </a:r>
-          </a:p>
-          <a:p>
-            <a:pPr marL="0" marR="0" lvl="0" indent="0" algn="l" defTabSz="914400" rtl="0" eaLnBrk="1" fontAlgn="auto" latinLnBrk="0" hangingPunct="1">
-              <a:lnSpc>
-                <a:spcPct val="100000"/>
-              </a:lnSpc>
-              <a:spcBef>
-                <a:spcPts val="0"/>
-              </a:spcBef>
-              <a:spcAft>
-                <a:spcPts val="0"/>
-              </a:spcAft>
-              <a:buClrTx/>
-              <a:buSzTx/>
-              <a:buFontTx/>
-              <a:buNone/>
-              <a:tabLst/>
-              <a:defRPr/>
-            </a:pPr>
-            <a:r>
-              <a:rPr lang="en-US" dirty="0"/>
-              <a:t>We then computed a cosine similarity matrix among the 6 subgroups </a:t>
-            </a:r>
-            <a:r>
-              <a:rPr lang="en-US"/>
-              <a:t>previously defined.</a:t>
-            </a:r>
-          </a:p>
-          <a:p>
-            <a:pPr marL="0" marR="0" lvl="0" indent="0" algn="l" defTabSz="914400" rtl="0" eaLnBrk="1" fontAlgn="auto" latinLnBrk="0" hangingPunct="1">
-              <a:lnSpc>
-                <a:spcPct val="100000"/>
-              </a:lnSpc>
-              <a:spcBef>
-                <a:spcPts val="0"/>
-              </a:spcBef>
-              <a:spcAft>
-                <a:spcPts val="0"/>
-              </a:spcAft>
-              <a:buClrTx/>
-              <a:buSzTx/>
-              <a:buFontTx/>
-              <a:buNone/>
-              <a:tabLst/>
-              <a:defRPr/>
-            </a:pPr>
-            <a:r>
-              <a:rPr lang="en-US" dirty="0"/>
-              <a:t>To begin the K-Mode Clustering Analysis, we further reduced the number of symptoms, eliminating those symptoms that occurred in less than 5% of the individuals surveyed, resulting in 15 symptoms total. Since all the symptoms are categorical – either the individual has the symptom or they do not – we performed a K-Mode analysis on the data.</a:t>
+              <a:t>begin the K-Mode Clustering Analysis, we reduced the number of symptoms, eliminating those symptoms that occurred in less than 5% of the individuals surveyed, resulting in 15 symptoms total. Since all the symptoms are categorical – either the individual has the symptom or they do not – we performed a K-Mode analysis on the data.</a:t>
             </a:r>
           </a:p>
           <a:p>

--- a/4710PresentationUpdated.pptx
+++ b/4710PresentationUpdated.pptx
@@ -5,7 +5,7 @@
     <p:sldMasterId id="2147483723" r:id="rId1"/>
   </p:sldMasterIdLst>
   <p:notesMasterIdLst>
-    <p:notesMasterId r:id="rId14"/>
+    <p:notesMasterId r:id="rId15"/>
   </p:notesMasterIdLst>
   <p:sldIdLst>
     <p:sldId id="256" r:id="rId2"/>
@@ -20,6 +20,7 @@
     <p:sldId id="272" r:id="rId11"/>
     <p:sldId id="261" r:id="rId12"/>
     <p:sldId id="263" r:id="rId13"/>
+    <p:sldId id="273" r:id="rId14"/>
   </p:sldIdLst>
   <p:sldSz cx="12192000" cy="6858000"/>
   <p:notesSz cx="6858000" cy="9144000"/>
@@ -521,7 +522,7 @@
           <a:p>
             <a:r>
               <a:rPr lang="en-US" dirty="0"/>
-              <a:t>For our project, our group is developing a machine learning-based approach to predict whether or not an individual will be diagnosed with Long Covid.</a:t>
+              <a:t>Good afternoon everyone. For our project, our group is attempting to develop a machine learning-based approach to predict whether or not an individual will get Long Covid.</a:t>
             </a:r>
           </a:p>
         </p:txBody>
@@ -712,7 +713,7 @@
             </a:pPr>
             <a:r>
               <a:rPr lang="en-US" dirty="0"/>
-              <a:t>Next steps for our project include performing analysis on the Malawi survey data as well as performing additional analysis on the United States Census Bureau Data. We will also perform model validation using 10-fold Cross Validation to optimize hyperparameters, specifically the number of clusters. </a:t>
+              <a:t>Next steps for our project include preparing a classifier to predict whether a Covid-19 patient will get Long Covid based on the results analyzing the individuals who were diagnosed with Long Covid from the Kenya Long Covid survey database. This analysis will be based on the same United States Census dataset mentioned previously. </a:t>
             </a:r>
           </a:p>
           <a:p>
@@ -735,7 +736,7 @@
             </a:pPr>
             <a:r>
               <a:rPr lang="en-US" dirty="0"/>
-              <a:t>Next, we will perform predictive analysis on test data using the results generated by our K-Mode Clustering Algorithm to create a model to predict whether an individual will develop Long Covid as well as perform an analysis of the model’s accuracy when predicting Long Covid using the test dataset.</a:t>
+              <a:t>We will first deal with any NA values, then divide the dataset into training and validation test sets. For the test dataset we will only use cases that do not contain NA values. Then we will apply feature selection and engineering steps. Next, we plan on using 10-fold-cross-validation to optimize the parameters of the model. We will then apply an algorithm to predict whether the patient will get Long Covid then use AUC on the test dataset to evaluate the model.</a:t>
             </a:r>
           </a:p>
         </p:txBody>
@@ -1022,13 +1023,19 @@
           <a:p>
             <a:r>
               <a:rPr lang="en-US" dirty="0"/>
-              <a:t>Our group is first using the Apriori Algorithm to mine interesting associations occurring in individuals diagnosed with Covid-19 that would imply the development of Long Covid. We are then building and training a model using K-Mode Clustering to predict the possibility of developing Long Covid based on demographic and symptom data surveyed from individuals who have been diagnosed with Long Covid. The model will be validated, with the number of clusters optimized, and then tested for accuracy using additional Covid-19 and Long Covid datasets. Finally, we will use the discovered association rules to further analyze and track the accuracy of the model.</a:t>
+              <a:t>Our group is first using the Apriori Algorithm to mine interesting associations occurring in individuals diagnosed with Covid-19 that would imply the development of Long Covid. We are then building and training a model using K-Mode Clustering to predict the possibility of developing Long Covid based on demographic and symptom data surveyed from individuals who have been diagnosed with Long Covid. The model will be validated, with the number of clusters optimized, and then tested for accuracy using additional Long Covid datasets. Finally, we will use the discovered association rules to further analyze and track the accuracy of the model.</a:t>
             </a:r>
           </a:p>
           <a:p>
             <a:r>
               <a:rPr lang="en-US" dirty="0"/>
-              <a:t>Our current research consists of datasets containing both Covid-19 and Long Covid data. Two datasets important to our analysis include surveys completed in Kenya and Malawi detailing demographical information and symptoms of individuals who have been diagnosed with Long Covid in those countries. We have also found demographic and symptom data made up of individuals from a wide range of countries who have been diagnosed with Long Covid.</a:t>
+              <a:t>Our current research includes datasets containing both Covid-19 and Long Covid data. Two datasets important to our analysis include surveys from the United Nations Office for the Coordination of Humanitarian Affairs completed in Kenya and Malawi detailing demographical information and symptoms of individuals who have been diagnosed with Long Covid in those countries. </a:t>
+            </a:r>
+          </a:p>
+          <a:p>
+            <a:r>
+              <a:rPr lang="en-US" dirty="0"/>
+              <a:t>Long Covid is still an active area of research, therefore it is difficult to find datasets containing both Covid and Long Covid data. Some of the datasets we originally found were removed by their authors including a CDC dataset on Long Covid and demographics and a UK Government dataset examining the connections between Covid variants and Long Covid diagnosis. </a:t>
             </a:r>
           </a:p>
           <a:p>
@@ -1051,8 +1058,36 @@
             </a:pPr>
             <a:r>
               <a:rPr lang="en-US" dirty="0"/>
-              <a:t>Long Covid is still an active area of research, therefore it is difficult to find datasets containing both Covid and Long Covid data. Some of the datasets we originally found were removed by their authors including a CDC dataset on Long Covid and demographics and a UK Government dataset examining the connections between Covid variants and Long Covid diagnosis. </a:t>
-            </a:r>
+              <a:t>In addition to the datasets, we found an article from </a:t>
+            </a:r>
+            <a:r>
+              <a:rPr lang="en-US" dirty="0" err="1"/>
+              <a:t>Sudre</a:t>
+            </a:r>
+            <a:r>
+              <a:rPr lang="en-US" dirty="0"/>
+              <a:t> et al. 2021 where they attempt to predict Long Covid based on symptoms experienced during the first 7 days of being infected with Covid-19.</a:t>
+            </a:r>
+          </a:p>
+          <a:p>
+            <a:pPr marL="0" marR="0" lvl="0" indent="0" algn="l" defTabSz="914400" rtl="0" eaLnBrk="1" fontAlgn="auto" latinLnBrk="0" hangingPunct="1">
+              <a:lnSpc>
+                <a:spcPct val="100000"/>
+              </a:lnSpc>
+              <a:spcBef>
+                <a:spcPts val="0"/>
+              </a:spcBef>
+              <a:spcAft>
+                <a:spcPts val="0"/>
+              </a:spcAft>
+              <a:buClrTx/>
+              <a:buSzTx/>
+              <a:buFontTx/>
+              <a:buNone/>
+              <a:tabLst/>
+              <a:defRPr/>
+            </a:pPr>
+            <a:endParaRPr lang="en-US" dirty="0"/>
           </a:p>
           <a:p>
             <a:endParaRPr lang="en-US" dirty="0"/>
@@ -1240,7 +1275,7 @@
           <a:p>
             <a:r>
               <a:rPr lang="en-US" dirty="0"/>
-              <a:t>In addition to the association rule mining, the following graphs highlight select statistics from the data. These graphs are based on the same United States Census Bureau dataset used in the association rule mining. The majority of individuals from this dataset diagnosed with Covid-19 are between the ages of 30 and 60. Ages of individuals diagnosed with Long Covid follow a similar distribution with the majority of them being between 30 and 60 years old.</a:t>
+              <a:t>In addition to the association rule mining, the following graphs highlight select statistics from the data. These graphs are based on the same United States Census Bureau dataset used in the association rule mining. As can be seen here, the majority of individuals from the dataset diagnosed with Covid-19 are between the ages of 30 and 60. Ages of individuals diagnosed with Long Covid follow a similar distribution with the majority of them being between 30 and 60 years old.</a:t>
             </a:r>
           </a:p>
         </p:txBody>
@@ -1327,7 +1362,15 @@
           <a:p>
             <a:r>
               <a:rPr lang="en-CA" dirty="0"/>
-              <a:t>According to the dataset, 56% of individuals were assigned female at birth, while 44% were assigned male at birth. There is a higher percentage of individuals assigned female at birth who have Covid-19 in this dataset. 67% of individuals experience Long Covid were assigned female at birth, compared to 33% of individuals diagnosed with Long Covid who were assigned male at birth. This could indicate that individuals assigned female at birth are more likely to develop Long Covid, but as mentioned previously the dataset used contains a majority of individuals assigned female at birth.</a:t>
+              <a:t>According to the dataset, 56% of individuals were assigned female at birth, while 44% were assigned male at birth. There is a higher percentage of individuals assigned female at birth who have Covid-19 in this dataset. 67% of individuals </a:t>
+            </a:r>
+            <a:r>
+              <a:rPr lang="en-CA" dirty="0" err="1"/>
+              <a:t>experiening</a:t>
+            </a:r>
+            <a:r>
+              <a:rPr lang="en-CA" dirty="0"/>
+              <a:t> Long Covid were assigned female at birth, compared to 33% of individuals diagnosed with Long Covid who were assigned male at birth. This could indicate that individuals assigned female at birth are more likely to develop Long Covid, but as mentioned previously the dataset used contains a majority of individuals assigned female at birth.</a:t>
             </a:r>
             <a:endParaRPr lang="en-US" dirty="0"/>
           </a:p>
@@ -1415,7 +1458,7 @@
           <a:p>
             <a:r>
               <a:rPr lang="en-US" dirty="0"/>
-              <a:t>The next step in our project is to perform K-Mode Clustering on the Long Covid data. This was initially performed on the data from surveys of Long Covid patients located in Kenya. We were initially planning on using the Random Forest algorithm to create our model, however since the Random Forest algorithm is a supervised method and the data we have found is unsupervised/uncertain we decided to use a K-Mode clustering algorithm.</a:t>
+              <a:t>The next step in our project is to perform K-Mode Clustering on the Long Covid data. This was initially performed on the data from surveys of Long Covid patients located in Kenya.</a:t>
             </a:r>
           </a:p>
           <a:p>
@@ -7519,6 +7562,44 @@
           </a:p>
         </p:txBody>
       </p:sp>
+      <p:pic>
+        <p:nvPicPr>
+          <p:cNvPr id="5" name="Audio Recording Nov 27, 2022 at 8:46:59 PM" descr="Audio Recording Nov 27, 2022 at 8:46:59 PM">
+            <a:hlinkClick r:id="" action="ppaction://media"/>
+            <a:extLst>
+              <a:ext uri="{FF2B5EF4-FFF2-40B4-BE49-F238E27FC236}">
+                <a16:creationId xmlns:a16="http://schemas.microsoft.com/office/drawing/2014/main" id="{8617A082-4FA6-514B-9F8B-E4442E581343}"/>
+              </a:ext>
+            </a:extLst>
+          </p:cNvPr>
+          <p:cNvPicPr>
+            <a:picLocks noChangeAspect="1"/>
+          </p:cNvPicPr>
+          <p:nvPr>
+            <a:audioFile r:link="rId2"/>
+            <p:extLst>
+              <p:ext uri="{DAA4B4D4-6D71-4841-9C94-3DE7FCFB9230}">
+                <p14:media xmlns:p14="http://schemas.microsoft.com/office/powerpoint/2010/main" r:embed="rId1"/>
+              </p:ext>
+            </p:extLst>
+          </p:nvPr>
+        </p:nvPicPr>
+        <p:blipFill>
+          <a:blip r:embed="rId5"/>
+          <a:stretch>
+            <a:fillRect/>
+          </a:stretch>
+        </p:blipFill>
+        <p:spPr>
+          <a:xfrm>
+            <a:off x="128337" y="12032"/>
+            <a:ext cx="812800" cy="812800"/>
+          </a:xfrm>
+          <a:prstGeom prst="rect">
+            <a:avLst/>
+          </a:prstGeom>
+        </p:spPr>
+      </p:pic>
     </p:spTree>
     <p:extLst>
       <p:ext uri="{BB962C8B-B14F-4D97-AF65-F5344CB8AC3E}">
@@ -7529,6 +7610,90 @@
   <p:clrMapOvr>
     <a:masterClrMapping/>
   </p:clrMapOvr>
+  <p:timing>
+    <p:tnLst>
+      <p:par>
+        <p:cTn id="1" dur="indefinite" restart="never" nodeType="tmRoot">
+          <p:childTnLst>
+            <p:seq concurrent="1" nextAc="seek">
+              <p:cTn id="2" dur="indefinite" nodeType="mainSeq">
+                <p:childTnLst>
+                  <p:par>
+                    <p:cTn id="3" fill="hold">
+                      <p:stCondLst>
+                        <p:cond delay="indefinite"/>
+                      </p:stCondLst>
+                      <p:childTnLst>
+                        <p:par>
+                          <p:cTn id="4" fill="hold">
+                            <p:stCondLst>
+                              <p:cond delay="0"/>
+                            </p:stCondLst>
+                            <p:childTnLst>
+                              <p:par>
+                                <p:cTn id="5" presetID="1" presetClass="mediacall" presetSubtype="0" fill="hold" nodeType="clickEffect">
+                                  <p:stCondLst>
+                                    <p:cond delay="0"/>
+                                  </p:stCondLst>
+                                  <p:childTnLst>
+                                    <p:cmd type="call" cmd="playFrom(0.0)">
+                                      <p:cBhvr>
+                                        <p:cTn id="6" dur="11392" fill="hold"/>
+                                        <p:tgtEl>
+                                          <p:spTgt spid="5"/>
+                                        </p:tgtEl>
+                                      </p:cBhvr>
+                                    </p:cmd>
+                                  </p:childTnLst>
+                                </p:cTn>
+                              </p:par>
+                            </p:childTnLst>
+                          </p:cTn>
+                        </p:par>
+                      </p:childTnLst>
+                    </p:cTn>
+                  </p:par>
+                </p:childTnLst>
+              </p:cTn>
+              <p:prevCondLst>
+                <p:cond evt="onPrev" delay="0">
+                  <p:tgtEl>
+                    <p:sldTgt/>
+                  </p:tgtEl>
+                </p:cond>
+              </p:prevCondLst>
+              <p:nextCondLst>
+                <p:cond evt="onNext" delay="0">
+                  <p:tgtEl>
+                    <p:sldTgt/>
+                  </p:tgtEl>
+                </p:cond>
+              </p:nextCondLst>
+            </p:seq>
+            <p:audio>
+              <p:cMediaNode vol="80000" showWhenStopped="0">
+                <p:cTn id="7" fill="hold" display="0">
+                  <p:stCondLst>
+                    <p:cond delay="indefinite"/>
+                  </p:stCondLst>
+                  <p:endCondLst>
+                    <p:cond evt="onStopAudio" delay="0">
+                      <p:tgtEl>
+                        <p:sldTgt/>
+                      </p:tgtEl>
+                    </p:cond>
+                  </p:endCondLst>
+                </p:cTn>
+                <p:tgtEl>
+                  <p:spTgt spid="5"/>
+                </p:tgtEl>
+              </p:cMediaNode>
+            </p:audio>
+          </p:childTnLst>
+        </p:cTn>
+      </p:par>
+    </p:tnLst>
+  </p:timing>
 </p:sld>
 </file>
 
@@ -8150,6 +8315,44 @@
           </a:graphicData>
         </a:graphic>
       </p:graphicFrame>
+      <p:pic>
+        <p:nvPicPr>
+          <p:cNvPr id="3" name="Audio Recording Nov 27, 2022 at 8:01:08 PM" descr="Audio Recording Nov 27, 2022 at 8:01:08 PM">
+            <a:hlinkClick r:id="" action="ppaction://media"/>
+            <a:extLst>
+              <a:ext uri="{FF2B5EF4-FFF2-40B4-BE49-F238E27FC236}">
+                <a16:creationId xmlns:a16="http://schemas.microsoft.com/office/drawing/2014/main" id="{D744206E-1023-1344-A766-BA1E6511DF3A}"/>
+              </a:ext>
+            </a:extLst>
+          </p:cNvPr>
+          <p:cNvPicPr>
+            <a:picLocks noChangeAspect="1"/>
+          </p:cNvPicPr>
+          <p:nvPr>
+            <a:audioFile r:link="rId2"/>
+            <p:extLst>
+              <p:ext uri="{DAA4B4D4-6D71-4841-9C94-3DE7FCFB9230}">
+                <p14:media xmlns:p14="http://schemas.microsoft.com/office/powerpoint/2010/main" r:embed="rId1"/>
+              </p:ext>
+            </p:extLst>
+          </p:nvPr>
+        </p:nvPicPr>
+        <p:blipFill>
+          <a:blip r:embed="rId5"/>
+          <a:stretch>
+            <a:fillRect/>
+          </a:stretch>
+        </p:blipFill>
+        <p:spPr>
+          <a:xfrm>
+            <a:off x="0" y="-13547"/>
+            <a:ext cx="812800" cy="812800"/>
+          </a:xfrm>
+          <a:prstGeom prst="rect">
+            <a:avLst/>
+          </a:prstGeom>
+        </p:spPr>
+      </p:pic>
     </p:spTree>
     <p:extLst>
       <p:ext uri="{BB962C8B-B14F-4D97-AF65-F5344CB8AC3E}">
@@ -8160,6 +8363,90 @@
   <p:clrMapOvr>
     <a:masterClrMapping/>
   </p:clrMapOvr>
+  <p:timing>
+    <p:tnLst>
+      <p:par>
+        <p:cTn id="1" dur="indefinite" restart="never" nodeType="tmRoot">
+          <p:childTnLst>
+            <p:seq concurrent="1" nextAc="seek">
+              <p:cTn id="2" dur="indefinite" nodeType="mainSeq">
+                <p:childTnLst>
+                  <p:par>
+                    <p:cTn id="3" fill="hold">
+                      <p:stCondLst>
+                        <p:cond delay="indefinite"/>
+                      </p:stCondLst>
+                      <p:childTnLst>
+                        <p:par>
+                          <p:cTn id="4" fill="hold">
+                            <p:stCondLst>
+                              <p:cond delay="0"/>
+                            </p:stCondLst>
+                            <p:childTnLst>
+                              <p:par>
+                                <p:cTn id="5" presetID="1" presetClass="mediacall" presetSubtype="0" fill="hold" nodeType="clickEffect">
+                                  <p:stCondLst>
+                                    <p:cond delay="0"/>
+                                  </p:stCondLst>
+                                  <p:childTnLst>
+                                    <p:cmd type="call" cmd="playFrom(0.0)">
+                                      <p:cBhvr>
+                                        <p:cTn id="6" dur="31872" fill="hold"/>
+                                        <p:tgtEl>
+                                          <p:spTgt spid="3"/>
+                                        </p:tgtEl>
+                                      </p:cBhvr>
+                                    </p:cmd>
+                                  </p:childTnLst>
+                                </p:cTn>
+                              </p:par>
+                            </p:childTnLst>
+                          </p:cTn>
+                        </p:par>
+                      </p:childTnLst>
+                    </p:cTn>
+                  </p:par>
+                </p:childTnLst>
+              </p:cTn>
+              <p:prevCondLst>
+                <p:cond evt="onPrev" delay="0">
+                  <p:tgtEl>
+                    <p:sldTgt/>
+                  </p:tgtEl>
+                </p:cond>
+              </p:prevCondLst>
+              <p:nextCondLst>
+                <p:cond evt="onNext" delay="0">
+                  <p:tgtEl>
+                    <p:sldTgt/>
+                  </p:tgtEl>
+                </p:cond>
+              </p:nextCondLst>
+            </p:seq>
+            <p:audio>
+              <p:cMediaNode vol="80000" showWhenStopped="0">
+                <p:cTn id="7" fill="hold" display="0">
+                  <p:stCondLst>
+                    <p:cond delay="indefinite"/>
+                  </p:stCondLst>
+                  <p:endCondLst>
+                    <p:cond evt="onStopAudio" delay="0">
+                      <p:tgtEl>
+                        <p:sldTgt/>
+                      </p:tgtEl>
+                    </p:cond>
+                  </p:endCondLst>
+                </p:cTn>
+                <p:tgtEl>
+                  <p:spTgt spid="3"/>
+                </p:tgtEl>
+              </p:cMediaNode>
+            </p:audio>
+          </p:childTnLst>
+        </p:cTn>
+      </p:par>
+    </p:tnLst>
+  </p:timing>
 </p:sld>
 </file>
 
@@ -8236,29 +8523,58 @@
           <a:p>
             <a:r>
               <a:rPr lang="en-US" dirty="0"/>
-              <a:t>Further analysis on additional datasets</a:t>
+              <a:t>Preparing a classifier to predict whether a Covid-19 patient will get Long Covid</a:t>
             </a:r>
           </a:p>
           <a:p>
             <a:r>
               <a:rPr lang="en-US" dirty="0"/>
-              <a:t>Model validation using 10-Fold Cross Validation</a:t>
-            </a:r>
-          </a:p>
-          <a:p>
-            <a:r>
-              <a:rPr lang="en-US" dirty="0"/>
-              <a:t>Creating a predictive model and performing predictive analysis on test data</a:t>
-            </a:r>
-          </a:p>
-          <a:p>
-            <a:r>
-              <a:rPr lang="en-US" dirty="0"/>
-              <a:t>Analysis of accuracy when predicting Long Covid</a:t>
-            </a:r>
-          </a:p>
-        </p:txBody>
-      </p:sp>
+              <a:t>Evaluate the model</a:t>
+            </a:r>
+          </a:p>
+          <a:p>
+            <a:endParaRPr lang="en-US" dirty="0"/>
+          </a:p>
+        </p:txBody>
+      </p:sp>
+      <p:pic>
+        <p:nvPicPr>
+          <p:cNvPr id="4" name="Audio Recording Nov 27, 2022 at 7:59:05 PM" descr="Audio Recording Nov 27, 2022 at 7:59:05 PM">
+            <a:hlinkClick r:id="" action="ppaction://media"/>
+            <a:extLst>
+              <a:ext uri="{FF2B5EF4-FFF2-40B4-BE49-F238E27FC236}">
+                <a16:creationId xmlns:a16="http://schemas.microsoft.com/office/drawing/2014/main" id="{624507BB-A4E5-214D-A999-0FE7D422346E}"/>
+              </a:ext>
+            </a:extLst>
+          </p:cNvPr>
+          <p:cNvPicPr>
+            <a:picLocks noChangeAspect="1"/>
+          </p:cNvPicPr>
+          <p:nvPr>
+            <a:audioFile r:link="rId2"/>
+            <p:extLst>
+              <p:ext uri="{DAA4B4D4-6D71-4841-9C94-3DE7FCFB9230}">
+                <p14:media xmlns:p14="http://schemas.microsoft.com/office/powerpoint/2010/main" r:embed="rId1"/>
+              </p:ext>
+            </p:extLst>
+          </p:nvPr>
+        </p:nvPicPr>
+        <p:blipFill>
+          <a:blip r:embed="rId5"/>
+          <a:stretch>
+            <a:fillRect/>
+          </a:stretch>
+        </p:blipFill>
+        <p:spPr>
+          <a:xfrm>
+            <a:off x="-22725" y="-63500"/>
+            <a:ext cx="812800" cy="812800"/>
+          </a:xfrm>
+          <a:prstGeom prst="rect">
+            <a:avLst/>
+          </a:prstGeom>
+        </p:spPr>
+      </p:pic>
     </p:spTree>
     <p:extLst>
       <p:ext uri="{BB962C8B-B14F-4D97-AF65-F5344CB8AC3E}">
@@ -8269,6 +8585,90 @@
   <p:clrMapOvr>
     <a:masterClrMapping/>
   </p:clrMapOvr>
+  <p:timing>
+    <p:tnLst>
+      <p:par>
+        <p:cTn id="1" dur="indefinite" restart="never" nodeType="tmRoot">
+          <p:childTnLst>
+            <p:seq concurrent="1" nextAc="seek">
+              <p:cTn id="2" dur="indefinite" nodeType="mainSeq">
+                <p:childTnLst>
+                  <p:par>
+                    <p:cTn id="3" fill="hold">
+                      <p:stCondLst>
+                        <p:cond delay="indefinite"/>
+                      </p:stCondLst>
+                      <p:childTnLst>
+                        <p:par>
+                          <p:cTn id="4" fill="hold">
+                            <p:stCondLst>
+                              <p:cond delay="0"/>
+                            </p:stCondLst>
+                            <p:childTnLst>
+                              <p:par>
+                                <p:cTn id="5" presetID="1" presetClass="mediacall" presetSubtype="0" fill="hold" nodeType="clickEffect">
+                                  <p:stCondLst>
+                                    <p:cond delay="0"/>
+                                  </p:stCondLst>
+                                  <p:childTnLst>
+                                    <p:cmd type="call" cmd="playFrom(0.0)">
+                                      <p:cBhvr>
+                                        <p:cTn id="6" dur="40576" fill="hold"/>
+                                        <p:tgtEl>
+                                          <p:spTgt spid="4"/>
+                                        </p:tgtEl>
+                                      </p:cBhvr>
+                                    </p:cmd>
+                                  </p:childTnLst>
+                                </p:cTn>
+                              </p:par>
+                            </p:childTnLst>
+                          </p:cTn>
+                        </p:par>
+                      </p:childTnLst>
+                    </p:cTn>
+                  </p:par>
+                </p:childTnLst>
+              </p:cTn>
+              <p:prevCondLst>
+                <p:cond evt="onPrev" delay="0">
+                  <p:tgtEl>
+                    <p:sldTgt/>
+                  </p:tgtEl>
+                </p:cond>
+              </p:prevCondLst>
+              <p:nextCondLst>
+                <p:cond evt="onNext" delay="0">
+                  <p:tgtEl>
+                    <p:sldTgt/>
+                  </p:tgtEl>
+                </p:cond>
+              </p:nextCondLst>
+            </p:seq>
+            <p:audio>
+              <p:cMediaNode vol="80000" showWhenStopped="0">
+                <p:cTn id="7" fill="hold" display="0">
+                  <p:stCondLst>
+                    <p:cond delay="indefinite"/>
+                  </p:stCondLst>
+                  <p:endCondLst>
+                    <p:cond evt="onStopAudio" delay="0">
+                      <p:tgtEl>
+                        <p:sldTgt/>
+                      </p:tgtEl>
+                    </p:cond>
+                  </p:endCondLst>
+                </p:cTn>
+                <p:tgtEl>
+                  <p:spTgt spid="4"/>
+                </p:tgtEl>
+              </p:cMediaNode>
+            </p:audio>
+          </p:childTnLst>
+        </p:cTn>
+      </p:par>
+    </p:tnLst>
+  </p:timing>
 </p:sld>
 </file>
 
@@ -8325,6 +8725,44 @@
           </a:p>
         </p:txBody>
       </p:sp>
+      <p:pic>
+        <p:nvPicPr>
+          <p:cNvPr id="3" name="Audio Recording Nov 27, 2022 at 7:56:15 PM" descr="Audio Recording Nov 27, 2022 at 7:56:15 PM">
+            <a:hlinkClick r:id="" action="ppaction://media"/>
+            <a:extLst>
+              <a:ext uri="{FF2B5EF4-FFF2-40B4-BE49-F238E27FC236}">
+                <a16:creationId xmlns:a16="http://schemas.microsoft.com/office/drawing/2014/main" id="{B45162BE-44C8-3D4D-8ABA-50923C70A8FB}"/>
+              </a:ext>
+            </a:extLst>
+          </p:cNvPr>
+          <p:cNvPicPr>
+            <a:picLocks noChangeAspect="1"/>
+          </p:cNvPicPr>
+          <p:nvPr>
+            <a:audioFile r:link="rId2"/>
+            <p:extLst>
+              <p:ext uri="{DAA4B4D4-6D71-4841-9C94-3DE7FCFB9230}">
+                <p14:media xmlns:p14="http://schemas.microsoft.com/office/powerpoint/2010/main" r:embed="rId1"/>
+              </p:ext>
+            </p:extLst>
+          </p:nvPr>
+        </p:nvPicPr>
+        <p:blipFill>
+          <a:blip r:embed="rId5"/>
+          <a:stretch>
+            <a:fillRect/>
+          </a:stretch>
+        </p:blipFill>
+        <p:spPr>
+          <a:xfrm>
+            <a:off x="8021" y="0"/>
+            <a:ext cx="812800" cy="812800"/>
+          </a:xfrm>
+          <a:prstGeom prst="rect">
+            <a:avLst/>
+          </a:prstGeom>
+        </p:spPr>
+      </p:pic>
     </p:spTree>
     <p:extLst>
       <p:ext uri="{BB962C8B-B14F-4D97-AF65-F5344CB8AC3E}">
@@ -8335,6 +8773,527 @@
   <p:clrMapOvr>
     <a:masterClrMapping/>
   </p:clrMapOvr>
+  <p:timing>
+    <p:tnLst>
+      <p:par>
+        <p:cTn id="1" dur="indefinite" restart="never" nodeType="tmRoot">
+          <p:childTnLst>
+            <p:seq concurrent="1" nextAc="seek">
+              <p:cTn id="2" dur="indefinite" nodeType="mainSeq">
+                <p:childTnLst>
+                  <p:par>
+                    <p:cTn id="3" fill="hold">
+                      <p:stCondLst>
+                        <p:cond delay="indefinite"/>
+                      </p:stCondLst>
+                      <p:childTnLst>
+                        <p:par>
+                          <p:cTn id="4" fill="hold">
+                            <p:stCondLst>
+                              <p:cond delay="0"/>
+                            </p:stCondLst>
+                            <p:childTnLst>
+                              <p:par>
+                                <p:cTn id="5" presetID="1" presetClass="mediacall" presetSubtype="0" fill="hold" nodeType="clickEffect">
+                                  <p:stCondLst>
+                                    <p:cond delay="0"/>
+                                  </p:stCondLst>
+                                  <p:childTnLst>
+                                    <p:cmd type="call" cmd="playFrom(0.0)">
+                                      <p:cBhvr>
+                                        <p:cTn id="6" dur="5632" fill="hold"/>
+                                        <p:tgtEl>
+                                          <p:spTgt spid="3"/>
+                                        </p:tgtEl>
+                                      </p:cBhvr>
+                                    </p:cmd>
+                                  </p:childTnLst>
+                                </p:cTn>
+                              </p:par>
+                            </p:childTnLst>
+                          </p:cTn>
+                        </p:par>
+                      </p:childTnLst>
+                    </p:cTn>
+                  </p:par>
+                </p:childTnLst>
+              </p:cTn>
+              <p:prevCondLst>
+                <p:cond evt="onPrev" delay="0">
+                  <p:tgtEl>
+                    <p:sldTgt/>
+                  </p:tgtEl>
+                </p:cond>
+              </p:prevCondLst>
+              <p:nextCondLst>
+                <p:cond evt="onNext" delay="0">
+                  <p:tgtEl>
+                    <p:sldTgt/>
+                  </p:tgtEl>
+                </p:cond>
+              </p:nextCondLst>
+            </p:seq>
+            <p:audio>
+              <p:cMediaNode vol="80000" showWhenStopped="0">
+                <p:cTn id="7" fill="hold" display="0">
+                  <p:stCondLst>
+                    <p:cond delay="indefinite"/>
+                  </p:stCondLst>
+                  <p:endCondLst>
+                    <p:cond evt="onStopAudio" delay="0">
+                      <p:tgtEl>
+                        <p:sldTgt/>
+                      </p:tgtEl>
+                    </p:cond>
+                  </p:endCondLst>
+                </p:cTn>
+                <p:tgtEl>
+                  <p:spTgt spid="3"/>
+                </p:tgtEl>
+              </p:cMediaNode>
+            </p:audio>
+          </p:childTnLst>
+        </p:cTn>
+      </p:par>
+    </p:tnLst>
+  </p:timing>
+</p:sld>
+</file>
+
+<file path=ppt/slides/slide13.xml><?xml version="1.0" encoding="utf-8"?>
+<p:sld xmlns:a="http://schemas.openxmlformats.org/drawingml/2006/main" xmlns:r="http://schemas.openxmlformats.org/officeDocument/2006/relationships" xmlns:p="http://schemas.openxmlformats.org/presentationml/2006/main">
+  <p:cSld>
+    <p:spTree>
+      <p:nvGrpSpPr>
+        <p:cNvPr id="1" name=""/>
+        <p:cNvGrpSpPr/>
+        <p:nvPr/>
+      </p:nvGrpSpPr>
+      <p:grpSpPr>
+        <a:xfrm>
+          <a:off x="0" y="0"/>
+          <a:ext cx="0" cy="0"/>
+          <a:chOff x="0" y="0"/>
+          <a:chExt cx="0" cy="0"/>
+        </a:xfrm>
+      </p:grpSpPr>
+      <p:sp>
+        <p:nvSpPr>
+          <p:cNvPr id="2" name="Title 1">
+            <a:extLst>
+              <a:ext uri="{FF2B5EF4-FFF2-40B4-BE49-F238E27FC236}">
+                <a16:creationId xmlns:a16="http://schemas.microsoft.com/office/drawing/2014/main" id="{36198C20-B082-1C48-855D-F52071B201D3}"/>
+              </a:ext>
+            </a:extLst>
+          </p:cNvPr>
+          <p:cNvSpPr>
+            <a:spLocks noGrp="1"/>
+          </p:cNvSpPr>
+          <p:nvPr>
+            <p:ph type="title"/>
+          </p:nvPr>
+        </p:nvSpPr>
+        <p:spPr>
+          <a:xfrm>
+            <a:off x="685801" y="256676"/>
+            <a:ext cx="10131425" cy="1456267"/>
+          </a:xfrm>
+        </p:spPr>
+        <p:txBody>
+          <a:bodyPr/>
+          <a:lstStyle/>
+          <a:p>
+            <a:r>
+              <a:rPr lang="en-US" dirty="0"/>
+              <a:t>References</a:t>
+            </a:r>
+          </a:p>
+        </p:txBody>
+      </p:sp>
+      <p:sp>
+        <p:nvSpPr>
+          <p:cNvPr id="3" name="Content Placeholder 2">
+            <a:extLst>
+              <a:ext uri="{FF2B5EF4-FFF2-40B4-BE49-F238E27FC236}">
+                <a16:creationId xmlns:a16="http://schemas.microsoft.com/office/drawing/2014/main" id="{32F9BB7A-82F3-B849-930A-24EAD5C82129}"/>
+              </a:ext>
+            </a:extLst>
+          </p:cNvPr>
+          <p:cNvSpPr>
+            <a:spLocks noGrp="1"/>
+          </p:cNvSpPr>
+          <p:nvPr>
+            <p:ph idx="1"/>
+          </p:nvPr>
+        </p:nvSpPr>
+        <p:spPr>
+          <a:xfrm>
+            <a:off x="812800" y="1491917"/>
+            <a:ext cx="10131425" cy="5005137"/>
+          </a:xfrm>
+        </p:spPr>
+        <p:txBody>
+          <a:bodyPr anchor="t">
+            <a:normAutofit/>
+          </a:bodyPr>
+          <a:lstStyle/>
+          <a:p>
+            <a:pPr marL="0" indent="0">
+              <a:buNone/>
+            </a:pPr>
+            <a:r>
+              <a:rPr lang="en-US" dirty="0"/>
+              <a:t>Canadian Journal of Health Technologies. (2021, September). </a:t>
+            </a:r>
+            <a:r>
+              <a:rPr lang="en-US" i="1" dirty="0"/>
+              <a:t>CADTH Horizon Scan – An Overview of Post-	COVID-19 Condition (Long COVID). </a:t>
+            </a:r>
+            <a:r>
+              <a:rPr lang="en-US" dirty="0">
+                <a:hlinkClick r:id="rId4"/>
+              </a:rPr>
+              <a:t>https://www.cadth.ca/sites/default/files/hs-</a:t>
+            </a:r>
+            <a:r>
+              <a:rPr lang="en-US" dirty="0"/>
+              <a:t>	eh/EH0096%20Long%20COVID%20v.7.0-Final.pdf</a:t>
+            </a:r>
+          </a:p>
+          <a:p>
+            <a:pPr marL="0" indent="0">
+              <a:buNone/>
+            </a:pPr>
+            <a:r>
+              <a:rPr lang="en-US" dirty="0"/>
+              <a:t>Diab, O. (2022). </a:t>
+            </a:r>
+            <a:r>
+              <a:rPr lang="en-US" i="1" dirty="0"/>
+              <a:t>Kenya, Malawi, Long Covid-19 effects survey dataset </a:t>
+            </a:r>
+            <a:r>
+              <a:rPr lang="en-US" dirty="0"/>
+              <a:t>[Data set]. The Humanitarian Data 	Exchange. </a:t>
+            </a:r>
+            <a:r>
+              <a:rPr lang="en-US" dirty="0">
+                <a:hlinkClick r:id="rId5"/>
+              </a:rPr>
+              <a:t>https://data.humdata.org/dataset/long-covidresearchagenda</a:t>
+            </a:r>
+            <a:endParaRPr lang="en-US" dirty="0"/>
+          </a:p>
+          <a:p>
+            <a:pPr marL="0" indent="0">
+              <a:buNone/>
+            </a:pPr>
+            <a:r>
+              <a:rPr lang="en-US" dirty="0" err="1"/>
+              <a:t>Kuodi</a:t>
+            </a:r>
+            <a:r>
+              <a:rPr lang="en-US" dirty="0"/>
+              <a:t>, P. (2022). </a:t>
+            </a:r>
+            <a:r>
+              <a:rPr lang="en-US" i="1" dirty="0"/>
+              <a:t>Long Covid Data Set </a:t>
+            </a:r>
+            <a:r>
+              <a:rPr lang="en-US" dirty="0"/>
+              <a:t>[Data set]. Harvard </a:t>
+            </a:r>
+            <a:r>
+              <a:rPr lang="en-US" dirty="0" err="1"/>
+              <a:t>Dataverse</a:t>
+            </a:r>
+            <a:r>
+              <a:rPr lang="en-US" dirty="0"/>
+              <a:t>. 	</a:t>
+            </a:r>
+            <a:r>
+              <a:rPr lang="en-US" dirty="0">
+                <a:hlinkClick r:id="rId6"/>
+              </a:rPr>
+              <a:t>https://dataverse.harvard.edu/dataset.xhtml?persistentId=doi:10.7910/DVN/N5I10C</a:t>
+            </a:r>
+            <a:endParaRPr lang="en-US" dirty="0"/>
+          </a:p>
+          <a:p>
+            <a:pPr marL="0" indent="0">
+              <a:buNone/>
+            </a:pPr>
+            <a:r>
+              <a:rPr lang="en-US" dirty="0" err="1"/>
+              <a:t>Sudre</a:t>
+            </a:r>
+            <a:r>
+              <a:rPr lang="en-US" dirty="0"/>
+              <a:t>, C. H., Murray, B., </a:t>
+            </a:r>
+            <a:r>
+              <a:rPr lang="en-US" dirty="0" err="1"/>
+              <a:t>Varsavsky</a:t>
+            </a:r>
+            <a:r>
+              <a:rPr lang="en-US" dirty="0"/>
+              <a:t>, T., Graham, M. S., Penfold, R. S., Bowyer, R. C., Pujol, J. C., </a:t>
+            </a:r>
+            <a:r>
+              <a:rPr lang="en-US" dirty="0" err="1"/>
+              <a:t>Klaser</a:t>
+            </a:r>
+            <a:r>
+              <a:rPr lang="en-US" dirty="0"/>
+              <a:t>, K., 	Antonelli, M., </a:t>
+            </a:r>
+            <a:r>
+              <a:rPr lang="en-US" dirty="0" err="1"/>
+              <a:t>Canas</a:t>
+            </a:r>
+            <a:r>
+              <a:rPr lang="en-US" dirty="0"/>
+              <a:t>, L. S., </a:t>
+            </a:r>
+            <a:r>
+              <a:rPr lang="en-US" dirty="0" err="1"/>
+              <a:t>Molteni</a:t>
+            </a:r>
+            <a:r>
+              <a:rPr lang="en-US" dirty="0"/>
+              <a:t>, E., </a:t>
+            </a:r>
+            <a:r>
+              <a:rPr lang="en-US" dirty="0" err="1"/>
+              <a:t>Modat</a:t>
+            </a:r>
+            <a:r>
+              <a:rPr lang="en-US" dirty="0"/>
+              <a:t>, M., Cardoso, M. J., May, A., Ganesh, S., Davies, R., 	Nguyen, L. H., Drew, D. A., Astley, C. M.,… </a:t>
+            </a:r>
+            <a:r>
+              <a:rPr lang="en-US" dirty="0" err="1"/>
+              <a:t>Steves</a:t>
+            </a:r>
+            <a:r>
+              <a:rPr lang="en-US" dirty="0"/>
+              <a:t>, C. J. (2021). Attributes and predictors of long covid. 	</a:t>
+            </a:r>
+            <a:r>
+              <a:rPr lang="en-US" i="1" dirty="0"/>
+              <a:t>Nature Medicine, 27</a:t>
+            </a:r>
+            <a:r>
+              <a:rPr lang="en-US" dirty="0"/>
+              <a:t>, 626-631. </a:t>
+            </a:r>
+            <a:r>
+              <a:rPr lang="en-CA" dirty="0">
+                <a:hlinkClick r:id="rId7"/>
+              </a:rPr>
+              <a:t>https://doi.org/10.1038/s41591-021-01292-y</a:t>
+            </a:r>
+            <a:endParaRPr lang="en-CA" dirty="0"/>
+          </a:p>
+          <a:p>
+            <a:pPr marL="0" indent="0">
+              <a:buNone/>
+            </a:pPr>
+            <a:r>
+              <a:rPr lang="en-US" dirty="0"/>
+              <a:t>United States Census Bureau. (2022, October 20). </a:t>
+            </a:r>
+            <a:r>
+              <a:rPr lang="en-US" i="1" dirty="0"/>
+              <a:t>Household Pulse Survey Public Use File (PUF).</a:t>
+            </a:r>
+            <a:br>
+              <a:rPr lang="en-US" dirty="0"/>
+            </a:br>
+            <a:r>
+              <a:rPr lang="en-US" dirty="0"/>
+              <a:t>	</a:t>
+            </a:r>
+            <a:r>
+              <a:rPr lang="en-US" dirty="0">
+                <a:hlinkClick r:id="rId8"/>
+              </a:rPr>
+              <a:t>https://www.census.gov/programs-surveys/household-pulse-survey/datasets.html</a:t>
+            </a:r>
+            <a:endParaRPr lang="en-CA" dirty="0"/>
+          </a:p>
+          <a:p>
+            <a:pPr marL="0" indent="0">
+              <a:buNone/>
+            </a:pPr>
+            <a:r>
+              <a:rPr lang="en-CA" dirty="0"/>
+              <a:t>World Health Organization. (2022, September 8). </a:t>
+            </a:r>
+            <a:r>
+              <a:rPr lang="en-CA" i="1" dirty="0"/>
+              <a:t>Post COVID-19 condition (Long COVID). </a:t>
+            </a:r>
+            <a:r>
+              <a:rPr lang="en-CA" dirty="0"/>
+              <a:t>	</a:t>
+            </a:r>
+            <a:r>
+              <a:rPr lang="en-US" dirty="0"/>
+              <a:t>https://</a:t>
+            </a:r>
+            <a:r>
+              <a:rPr lang="en-US" dirty="0" err="1"/>
+              <a:t>www.who.int</a:t>
+            </a:r>
+            <a:r>
+              <a:rPr lang="en-US" dirty="0"/>
+              <a:t>/</a:t>
+            </a:r>
+            <a:r>
+              <a:rPr lang="en-US" dirty="0" err="1"/>
+              <a:t>europe</a:t>
+            </a:r>
+            <a:r>
+              <a:rPr lang="en-US" dirty="0"/>
+              <a:t>/news-room/fact-sheets/item/post-covid-19-condition</a:t>
+            </a:r>
+          </a:p>
+        </p:txBody>
+      </p:sp>
+      <p:pic>
+        <p:nvPicPr>
+          <p:cNvPr id="5" name="Audio Recording Nov 27, 2022 at 8:46:09 PM" descr="Audio Recording Nov 27, 2022 at 8:46:09 PM">
+            <a:hlinkClick r:id="" action="ppaction://media"/>
+            <a:extLst>
+              <a:ext uri="{FF2B5EF4-FFF2-40B4-BE49-F238E27FC236}">
+                <a16:creationId xmlns:a16="http://schemas.microsoft.com/office/drawing/2014/main" id="{C77BF193-1E43-D342-BDCF-E4B85EF249BD}"/>
+              </a:ext>
+            </a:extLst>
+          </p:cNvPr>
+          <p:cNvPicPr>
+            <a:picLocks noChangeAspect="1"/>
+          </p:cNvPicPr>
+          <p:nvPr>
+            <a:audioFile r:link="rId2"/>
+            <p:extLst>
+              <p:ext uri="{DAA4B4D4-6D71-4841-9C94-3DE7FCFB9230}">
+                <p14:media xmlns:p14="http://schemas.microsoft.com/office/powerpoint/2010/main" r:embed="rId1"/>
+              </p:ext>
+            </p:extLst>
+          </p:nvPr>
+        </p:nvPicPr>
+        <p:blipFill>
+          <a:blip r:embed="rId9"/>
+          <a:stretch>
+            <a:fillRect/>
+          </a:stretch>
+        </p:blipFill>
+        <p:spPr>
+          <a:xfrm>
+            <a:off x="0" y="0"/>
+            <a:ext cx="812800" cy="812800"/>
+          </a:xfrm>
+          <a:prstGeom prst="rect">
+            <a:avLst/>
+          </a:prstGeom>
+        </p:spPr>
+      </p:pic>
+    </p:spTree>
+    <p:extLst>
+      <p:ext uri="{BB962C8B-B14F-4D97-AF65-F5344CB8AC3E}">
+        <p14:creationId xmlns:p14="http://schemas.microsoft.com/office/powerpoint/2010/main" val="88027551"/>
+      </p:ext>
+    </p:extLst>
+  </p:cSld>
+  <p:clrMapOvr>
+    <a:masterClrMapping/>
+  </p:clrMapOvr>
+  <p:timing>
+    <p:tnLst>
+      <p:par>
+        <p:cTn id="1" dur="indefinite" restart="never" nodeType="tmRoot">
+          <p:childTnLst>
+            <p:seq concurrent="1" nextAc="seek">
+              <p:cTn id="2" dur="indefinite" nodeType="mainSeq">
+                <p:childTnLst>
+                  <p:par>
+                    <p:cTn id="3" fill="hold">
+                      <p:stCondLst>
+                        <p:cond delay="indefinite"/>
+                      </p:stCondLst>
+                      <p:childTnLst>
+                        <p:par>
+                          <p:cTn id="4" fill="hold">
+                            <p:stCondLst>
+                              <p:cond delay="0"/>
+                            </p:stCondLst>
+                            <p:childTnLst>
+                              <p:par>
+                                <p:cTn id="5" presetID="1" presetClass="mediacall" presetSubtype="0" fill="hold" nodeType="clickEffect">
+                                  <p:stCondLst>
+                                    <p:cond delay="0"/>
+                                  </p:stCondLst>
+                                  <p:childTnLst>
+                                    <p:cmd type="call" cmd="playFrom(0.0)">
+                                      <p:cBhvr>
+                                        <p:cTn id="6" dur="3840" fill="hold"/>
+                                        <p:tgtEl>
+                                          <p:spTgt spid="5"/>
+                                        </p:tgtEl>
+                                      </p:cBhvr>
+                                    </p:cmd>
+                                  </p:childTnLst>
+                                </p:cTn>
+                              </p:par>
+                            </p:childTnLst>
+                          </p:cTn>
+                        </p:par>
+                      </p:childTnLst>
+                    </p:cTn>
+                  </p:par>
+                </p:childTnLst>
+              </p:cTn>
+              <p:prevCondLst>
+                <p:cond evt="onPrev" delay="0">
+                  <p:tgtEl>
+                    <p:sldTgt/>
+                  </p:tgtEl>
+                </p:cond>
+              </p:prevCondLst>
+              <p:nextCondLst>
+                <p:cond evt="onNext" delay="0">
+                  <p:tgtEl>
+                    <p:sldTgt/>
+                  </p:tgtEl>
+                </p:cond>
+              </p:nextCondLst>
+            </p:seq>
+            <p:audio>
+              <p:cMediaNode vol="80000" showWhenStopped="0">
+                <p:cTn id="7" fill="hold" display="0">
+                  <p:stCondLst>
+                    <p:cond delay="indefinite"/>
+                  </p:stCondLst>
+                  <p:endCondLst>
+                    <p:cond evt="onStopAudio" delay="0">
+                      <p:tgtEl>
+                        <p:sldTgt/>
+                      </p:tgtEl>
+                    </p:cond>
+                  </p:endCondLst>
+                </p:cTn>
+                <p:tgtEl>
+                  <p:spTgt spid="5"/>
+                </p:tgtEl>
+              </p:cMediaNode>
+            </p:audio>
+          </p:childTnLst>
+        </p:cTn>
+      </p:par>
+    </p:tnLst>
+  </p:timing>
 </p:sld>
 </file>
 
@@ -8406,8 +9365,8 @@
         </p:nvSpPr>
         <p:spPr>
           <a:xfrm>
-            <a:off x="685801" y="1989667"/>
-            <a:ext cx="10131425" cy="3649133"/>
+            <a:off x="186267" y="1989667"/>
+            <a:ext cx="11819465" cy="3649133"/>
           </a:xfrm>
         </p:spPr>
         <p:txBody>
@@ -8416,26 +9375,13 @@
           <a:p>
             <a:r>
               <a:rPr lang="en-US" dirty="0"/>
-              <a:t>The WHO has defined Long Covid as Covid-19 symptoms which persist after the initial infection period</a:t>
-            </a:r>
-            <a:r>
-              <a:rPr lang="en-US" baseline="30000" dirty="0"/>
-              <a:t>1</a:t>
-            </a:r>
-            <a:endParaRPr lang="en-US" dirty="0"/>
+              <a:t>The WHO has defined Long Covid as Covid-19 symptoms which persist after the initial infection period (World Health Organization, 2022)</a:t>
+            </a:r>
           </a:p>
           <a:p>
             <a:r>
               <a:rPr lang="en-US" dirty="0"/>
-              <a:t>The Canadian Journal of Health Technologies has classified Long Covid into two stages</a:t>
-            </a:r>
-            <a:r>
-              <a:rPr lang="en-US" baseline="30000" dirty="0"/>
-              <a:t>1</a:t>
-            </a:r>
-            <a:r>
-              <a:rPr lang="en-US" dirty="0"/>
-              <a:t>:</a:t>
+              <a:t>The Canadian Journal of Health Technologies has classified Long Covid into two stages (Canadian Journal of Health Technologies, 2021):</a:t>
             </a:r>
           </a:p>
           <a:p>
@@ -8455,13 +9401,8 @@
           <a:p>
             <a:r>
               <a:rPr lang="en-US" dirty="0"/>
-              <a:t>The WHO estimates that up to 20% of individuals who are diagnosed with Covid-19 will develop Long Covid</a:t>
-            </a:r>
-            <a:r>
-              <a:rPr lang="en-US" baseline="30000" dirty="0"/>
-              <a:t>2</a:t>
-            </a:r>
-            <a:endParaRPr lang="en-US" dirty="0"/>
+              <a:t>The WHO estimates that up to 20% of individuals who are diagnosed with Covid-19 will develop Long Covid (World Health Organization, 2022)</a:t>
+            </a:r>
           </a:p>
           <a:p>
             <a:r>
@@ -8471,77 +9412,44 @@
           </a:p>
         </p:txBody>
       </p:sp>
-      <p:sp>
-        <p:nvSpPr>
-          <p:cNvPr id="4" name="Footer Placeholder 3">
+      <p:pic>
+        <p:nvPicPr>
+          <p:cNvPr id="5" name="Audio Recording Nov 27, 2022 at 8:20:09 PM" descr="Audio Recording Nov 27, 2022 at 8:20:09 PM">
+            <a:hlinkClick r:id="" action="ppaction://media"/>
             <a:extLst>
               <a:ext uri="{FF2B5EF4-FFF2-40B4-BE49-F238E27FC236}">
-                <a16:creationId xmlns:a16="http://schemas.microsoft.com/office/drawing/2014/main" id="{6D60DE0B-39E9-8549-99E9-C02D6C86F139}"/>
+                <a16:creationId xmlns:a16="http://schemas.microsoft.com/office/drawing/2014/main" id="{B6FD5139-7D93-0E43-897F-2316DEC896E5}"/>
               </a:ext>
             </a:extLst>
           </p:cNvPr>
-          <p:cNvSpPr>
-            <a:spLocks noGrp="1"/>
-          </p:cNvSpPr>
-          <p:nvPr>
-            <p:ph type="ftr" sz="quarter" idx="11"/>
-          </p:nvPr>
-        </p:nvSpPr>
+          <p:cNvPicPr>
+            <a:picLocks noChangeAspect="1"/>
+          </p:cNvPicPr>
+          <p:nvPr>
+            <a:audioFile r:link="rId2"/>
+            <p:extLst>
+              <p:ext uri="{DAA4B4D4-6D71-4841-9C94-3DE7FCFB9230}">
+                <p14:media xmlns:p14="http://schemas.microsoft.com/office/powerpoint/2010/main" r:embed="rId1"/>
+              </p:ext>
+            </p:extLst>
+          </p:nvPr>
+        </p:nvPicPr>
+        <p:blipFill>
+          <a:blip r:embed="rId5"/>
+          <a:stretch>
+            <a:fillRect/>
+          </a:stretch>
+        </p:blipFill>
         <p:spPr>
           <a:xfrm>
-            <a:off x="685801" y="5260975"/>
-            <a:ext cx="7827659" cy="377825"/>
+            <a:off x="0" y="12700"/>
+            <a:ext cx="812800" cy="812800"/>
           </a:xfrm>
+          <a:prstGeom prst="rect">
+            <a:avLst/>
+          </a:prstGeom>
         </p:spPr>
-        <p:txBody>
-          <a:bodyPr/>
-          <a:lstStyle/>
-          <a:p>
-            <a:r>
-              <a:rPr lang="en-US" dirty="0"/>
-              <a:t>1: https://</a:t>
-            </a:r>
-            <a:r>
-              <a:rPr lang="en-US" dirty="0" err="1"/>
-              <a:t>www.cadth.ca</a:t>
-            </a:r>
-            <a:r>
-              <a:rPr lang="en-US" dirty="0"/>
-              <a:t>/sites/default/files/</a:t>
-            </a:r>
-            <a:r>
-              <a:rPr lang="en-US" dirty="0" err="1"/>
-              <a:t>hs</a:t>
-            </a:r>
-            <a:r>
-              <a:rPr lang="en-US" dirty="0"/>
-              <a:t>-eh/EH0096%20Long%20COVID%20v.7.0-Final.pdf</a:t>
-            </a:r>
-          </a:p>
-          <a:p>
-            <a:r>
-              <a:rPr lang="en-US" dirty="0"/>
-              <a:t>2: https://</a:t>
-            </a:r>
-            <a:r>
-              <a:rPr lang="en-US" dirty="0" err="1"/>
-              <a:t>www.who.int</a:t>
-            </a:r>
-            <a:r>
-              <a:rPr lang="en-US" dirty="0"/>
-              <a:t>/</a:t>
-            </a:r>
-            <a:r>
-              <a:rPr lang="en-US" dirty="0" err="1"/>
-              <a:t>europe</a:t>
-            </a:r>
-            <a:r>
-              <a:rPr lang="en-US" dirty="0"/>
-              <a:t>/news-room/fact-sheets/item/post-covid-19-condition</a:t>
-            </a:r>
-          </a:p>
-        </p:txBody>
-      </p:sp>
+      </p:pic>
     </p:spTree>
     <p:extLst>
       <p:ext uri="{BB962C8B-B14F-4D97-AF65-F5344CB8AC3E}">
@@ -8552,6 +9460,90 @@
   <p:clrMapOvr>
     <a:masterClrMapping/>
   </p:clrMapOvr>
+  <p:timing>
+    <p:tnLst>
+      <p:par>
+        <p:cTn id="1" dur="indefinite" restart="never" nodeType="tmRoot">
+          <p:childTnLst>
+            <p:seq concurrent="1" nextAc="seek">
+              <p:cTn id="2" dur="indefinite" nodeType="mainSeq">
+                <p:childTnLst>
+                  <p:par>
+                    <p:cTn id="3" fill="hold">
+                      <p:stCondLst>
+                        <p:cond delay="indefinite"/>
+                      </p:stCondLst>
+                      <p:childTnLst>
+                        <p:par>
+                          <p:cTn id="4" fill="hold">
+                            <p:stCondLst>
+                              <p:cond delay="0"/>
+                            </p:stCondLst>
+                            <p:childTnLst>
+                              <p:par>
+                                <p:cTn id="5" presetID="1" presetClass="mediacall" presetSubtype="0" fill="hold" nodeType="clickEffect">
+                                  <p:stCondLst>
+                                    <p:cond delay="0"/>
+                                  </p:stCondLst>
+                                  <p:childTnLst>
+                                    <p:cmd type="call" cmd="playFrom(0.0)">
+                                      <p:cBhvr>
+                                        <p:cTn id="6" dur="82816" fill="hold"/>
+                                        <p:tgtEl>
+                                          <p:spTgt spid="5"/>
+                                        </p:tgtEl>
+                                      </p:cBhvr>
+                                    </p:cmd>
+                                  </p:childTnLst>
+                                </p:cTn>
+                              </p:par>
+                            </p:childTnLst>
+                          </p:cTn>
+                        </p:par>
+                      </p:childTnLst>
+                    </p:cTn>
+                  </p:par>
+                </p:childTnLst>
+              </p:cTn>
+              <p:prevCondLst>
+                <p:cond evt="onPrev" delay="0">
+                  <p:tgtEl>
+                    <p:sldTgt/>
+                  </p:tgtEl>
+                </p:cond>
+              </p:prevCondLst>
+              <p:nextCondLst>
+                <p:cond evt="onNext" delay="0">
+                  <p:tgtEl>
+                    <p:sldTgt/>
+                  </p:tgtEl>
+                </p:cond>
+              </p:nextCondLst>
+            </p:seq>
+            <p:audio>
+              <p:cMediaNode vol="80000" showWhenStopped="0">
+                <p:cTn id="7" fill="hold" display="0">
+                  <p:stCondLst>
+                    <p:cond delay="indefinite"/>
+                  </p:stCondLst>
+                  <p:endCondLst>
+                    <p:cond evt="onStopAudio" delay="0">
+                      <p:tgtEl>
+                        <p:sldTgt/>
+                      </p:tgtEl>
+                    </p:cond>
+                  </p:endCondLst>
+                </p:cTn>
+                <p:tgtEl>
+                  <p:spTgt spid="5"/>
+                </p:tgtEl>
+              </p:cMediaNode>
+            </p:audio>
+          </p:childTnLst>
+        </p:cTn>
+      </p:par>
+    </p:tnLst>
+  </p:timing>
 </p:sld>
 </file>
 
@@ -8633,7 +9625,7 @@
           <a:p>
             <a:r>
               <a:rPr lang="en-US" dirty="0"/>
-              <a:t>Analyzing Covid-19 and Long Covid datasets</a:t>
+              <a:t>Analyzing Long Covid datasets</a:t>
             </a:r>
           </a:p>
           <a:p>
@@ -8656,6 +9648,44 @@
           </a:p>
         </p:txBody>
       </p:sp>
+      <p:pic>
+        <p:nvPicPr>
+          <p:cNvPr id="4" name="Audio Recording Nov 27, 2022 at 8:28:41 PM" descr="Audio Recording Nov 27, 2022 at 8:28:41 PM">
+            <a:hlinkClick r:id="" action="ppaction://media"/>
+            <a:extLst>
+              <a:ext uri="{FF2B5EF4-FFF2-40B4-BE49-F238E27FC236}">
+                <a16:creationId xmlns:a16="http://schemas.microsoft.com/office/drawing/2014/main" id="{17ED353A-A3CD-6043-AE7F-2B543FC2C16A}"/>
+              </a:ext>
+            </a:extLst>
+          </p:cNvPr>
+          <p:cNvPicPr>
+            <a:picLocks noChangeAspect="1"/>
+          </p:cNvPicPr>
+          <p:nvPr>
+            <a:audioFile r:link="rId2"/>
+            <p:extLst>
+              <p:ext uri="{DAA4B4D4-6D71-4841-9C94-3DE7FCFB9230}">
+                <p14:media xmlns:p14="http://schemas.microsoft.com/office/powerpoint/2010/main" r:embed="rId1"/>
+              </p:ext>
+            </p:extLst>
+          </p:nvPr>
+        </p:nvPicPr>
+        <p:blipFill>
+          <a:blip r:embed="rId5"/>
+          <a:stretch>
+            <a:fillRect/>
+          </a:stretch>
+        </p:blipFill>
+        <p:spPr>
+          <a:xfrm>
+            <a:off x="0" y="36095"/>
+            <a:ext cx="812800" cy="812800"/>
+          </a:xfrm>
+          <a:prstGeom prst="rect">
+            <a:avLst/>
+          </a:prstGeom>
+        </p:spPr>
+      </p:pic>
     </p:spTree>
     <p:extLst>
       <p:ext uri="{BB962C8B-B14F-4D97-AF65-F5344CB8AC3E}">
@@ -8666,6 +9696,90 @@
   <p:clrMapOvr>
     <a:masterClrMapping/>
   </p:clrMapOvr>
+  <p:timing>
+    <p:tnLst>
+      <p:par>
+        <p:cTn id="1" dur="indefinite" restart="never" nodeType="tmRoot">
+          <p:childTnLst>
+            <p:seq concurrent="1" nextAc="seek">
+              <p:cTn id="2" dur="indefinite" nodeType="mainSeq">
+                <p:childTnLst>
+                  <p:par>
+                    <p:cTn id="3" fill="hold">
+                      <p:stCondLst>
+                        <p:cond delay="indefinite"/>
+                      </p:stCondLst>
+                      <p:childTnLst>
+                        <p:par>
+                          <p:cTn id="4" fill="hold">
+                            <p:stCondLst>
+                              <p:cond delay="0"/>
+                            </p:stCondLst>
+                            <p:childTnLst>
+                              <p:par>
+                                <p:cTn id="5" presetID="1" presetClass="mediacall" presetSubtype="0" fill="hold" nodeType="clickEffect">
+                                  <p:stCondLst>
+                                    <p:cond delay="0"/>
+                                  </p:stCondLst>
+                                  <p:childTnLst>
+                                    <p:cmd type="call" cmd="playFrom(0.0)">
+                                      <p:cBhvr>
+                                        <p:cTn id="6" dur="93888" fill="hold"/>
+                                        <p:tgtEl>
+                                          <p:spTgt spid="4"/>
+                                        </p:tgtEl>
+                                      </p:cBhvr>
+                                    </p:cmd>
+                                  </p:childTnLst>
+                                </p:cTn>
+                              </p:par>
+                            </p:childTnLst>
+                          </p:cTn>
+                        </p:par>
+                      </p:childTnLst>
+                    </p:cTn>
+                  </p:par>
+                </p:childTnLst>
+              </p:cTn>
+              <p:prevCondLst>
+                <p:cond evt="onPrev" delay="0">
+                  <p:tgtEl>
+                    <p:sldTgt/>
+                  </p:tgtEl>
+                </p:cond>
+              </p:prevCondLst>
+              <p:nextCondLst>
+                <p:cond evt="onNext" delay="0">
+                  <p:tgtEl>
+                    <p:sldTgt/>
+                  </p:tgtEl>
+                </p:cond>
+              </p:nextCondLst>
+            </p:seq>
+            <p:audio>
+              <p:cMediaNode vol="80000" showWhenStopped="0">
+                <p:cTn id="7" fill="hold" display="0">
+                  <p:stCondLst>
+                    <p:cond delay="indefinite"/>
+                  </p:stCondLst>
+                  <p:endCondLst>
+                    <p:cond evt="onStopAudio" delay="0">
+                      <p:tgtEl>
+                        <p:sldTgt/>
+                      </p:tgtEl>
+                    </p:cond>
+                  </p:endCondLst>
+                </p:cTn>
+                <p:tgtEl>
+                  <p:spTgt spid="4"/>
+                </p:tgtEl>
+              </p:cMediaNode>
+            </p:audio>
+          </p:childTnLst>
+        </p:cTn>
+      </p:par>
+    </p:tnLst>
+  </p:timing>
 </p:sld>
 </file>
 
@@ -8773,7 +9887,7 @@
           <p:nvPr/>
         </p:nvPicPr>
         <p:blipFill>
-          <a:blip r:embed="rId3">
+          <a:blip r:embed="rId5">
             <a:extLst>
               <a:ext uri="{28A0092B-C50C-407E-A947-70E740481C1C}">
                 <a14:useLocalDpi xmlns:a14="http://schemas.microsoft.com/office/drawing/2010/main" val="0"/>
@@ -8820,7 +9934,7 @@
           <p:nvPr/>
         </p:nvPicPr>
         <p:blipFill>
-          <a:blip r:embed="rId4">
+          <a:blip r:embed="rId6">
             <a:extLst>
               <a:ext uri="{28A0092B-C50C-407E-A947-70E740481C1C}">
                 <a14:useLocalDpi xmlns:a14="http://schemas.microsoft.com/office/drawing/2010/main" val="0"/>
@@ -8852,6 +9966,44 @@
           </a:extLst>
         </p:spPr>
       </p:pic>
+      <p:pic>
+        <p:nvPicPr>
+          <p:cNvPr id="4" name="Audio Recording Nov 27, 2022 at 7:51:01 PM" descr="Audio Recording Nov 27, 2022 at 7:51:01 PM">
+            <a:hlinkClick r:id="" action="ppaction://media"/>
+            <a:extLst>
+              <a:ext uri="{FF2B5EF4-FFF2-40B4-BE49-F238E27FC236}">
+                <a16:creationId xmlns:a16="http://schemas.microsoft.com/office/drawing/2014/main" id="{26DAE9BA-EC2F-AF42-B712-BA9496AA9B9E}"/>
+              </a:ext>
+            </a:extLst>
+          </p:cNvPr>
+          <p:cNvPicPr>
+            <a:picLocks noChangeAspect="1"/>
+          </p:cNvPicPr>
+          <p:nvPr>
+            <a:audioFile r:link="rId2"/>
+            <p:extLst>
+              <p:ext uri="{DAA4B4D4-6D71-4841-9C94-3DE7FCFB9230}">
+                <p14:media xmlns:p14="http://schemas.microsoft.com/office/powerpoint/2010/main" r:embed="rId1"/>
+              </p:ext>
+            </p:extLst>
+          </p:nvPr>
+        </p:nvPicPr>
+        <p:blipFill>
+          <a:blip r:embed="rId7"/>
+          <a:stretch>
+            <a:fillRect/>
+          </a:stretch>
+        </p:blipFill>
+        <p:spPr>
+          <a:xfrm>
+            <a:off x="279401" y="50800"/>
+            <a:ext cx="812800" cy="812800"/>
+          </a:xfrm>
+          <a:prstGeom prst="rect">
+            <a:avLst/>
+          </a:prstGeom>
+        </p:spPr>
+      </p:pic>
     </p:spTree>
     <p:extLst>
       <p:ext uri="{BB962C8B-B14F-4D97-AF65-F5344CB8AC3E}">
@@ -8862,6 +10014,90 @@
   <p:clrMapOvr>
     <a:masterClrMapping/>
   </p:clrMapOvr>
+  <p:timing>
+    <p:tnLst>
+      <p:par>
+        <p:cTn id="1" dur="indefinite" restart="never" nodeType="tmRoot">
+          <p:childTnLst>
+            <p:seq concurrent="1" nextAc="seek">
+              <p:cTn id="2" dur="indefinite" nodeType="mainSeq">
+                <p:childTnLst>
+                  <p:par>
+                    <p:cTn id="3" fill="hold">
+                      <p:stCondLst>
+                        <p:cond delay="indefinite"/>
+                      </p:stCondLst>
+                      <p:childTnLst>
+                        <p:par>
+                          <p:cTn id="4" fill="hold">
+                            <p:stCondLst>
+                              <p:cond delay="0"/>
+                            </p:stCondLst>
+                            <p:childTnLst>
+                              <p:par>
+                                <p:cTn id="5" presetID="1" presetClass="mediacall" presetSubtype="0" fill="hold" nodeType="clickEffect">
+                                  <p:stCondLst>
+                                    <p:cond delay="0"/>
+                                  </p:stCondLst>
+                                  <p:childTnLst>
+                                    <p:cmd type="call" cmd="playFrom(0.0)">
+                                      <p:cBhvr>
+                                        <p:cTn id="6" dur="95168" fill="hold"/>
+                                        <p:tgtEl>
+                                          <p:spTgt spid="4"/>
+                                        </p:tgtEl>
+                                      </p:cBhvr>
+                                    </p:cmd>
+                                  </p:childTnLst>
+                                </p:cTn>
+                              </p:par>
+                            </p:childTnLst>
+                          </p:cTn>
+                        </p:par>
+                      </p:childTnLst>
+                    </p:cTn>
+                  </p:par>
+                </p:childTnLst>
+              </p:cTn>
+              <p:prevCondLst>
+                <p:cond evt="onPrev" delay="0">
+                  <p:tgtEl>
+                    <p:sldTgt/>
+                  </p:tgtEl>
+                </p:cond>
+              </p:prevCondLst>
+              <p:nextCondLst>
+                <p:cond evt="onNext" delay="0">
+                  <p:tgtEl>
+                    <p:sldTgt/>
+                  </p:tgtEl>
+                </p:cond>
+              </p:nextCondLst>
+            </p:seq>
+            <p:audio>
+              <p:cMediaNode vol="80000" showWhenStopped="0">
+                <p:cTn id="7" fill="hold" display="0">
+                  <p:stCondLst>
+                    <p:cond delay="indefinite"/>
+                  </p:stCondLst>
+                  <p:endCondLst>
+                    <p:cond evt="onStopAudio" delay="0">
+                      <p:tgtEl>
+                        <p:sldTgt/>
+                      </p:tgtEl>
+                    </p:cond>
+                  </p:endCondLst>
+                </p:cTn>
+                <p:tgtEl>
+                  <p:spTgt spid="4"/>
+                </p:tgtEl>
+              </p:cMediaNode>
+            </p:audio>
+          </p:childTnLst>
+        </p:cTn>
+      </p:par>
+    </p:tnLst>
+  </p:timing>
 </p:sld>
 </file>
 
@@ -8930,7 +10166,7 @@
           <p:nvPr/>
         </p:nvPicPr>
         <p:blipFill>
-          <a:blip r:embed="rId3">
+          <a:blip r:embed="rId5">
             <a:extLst>
               <a:ext uri="{28A0092B-C50C-407E-A947-70E740481C1C}">
                 <a14:useLocalDpi xmlns:a14="http://schemas.microsoft.com/office/drawing/2010/main" val="0"/>
@@ -8977,7 +10213,7 @@
           <p:nvPr/>
         </p:nvPicPr>
         <p:blipFill>
-          <a:blip r:embed="rId4">
+          <a:blip r:embed="rId6">
             <a:extLst>
               <a:ext uri="{28A0092B-C50C-407E-A947-70E740481C1C}">
                 <a14:useLocalDpi xmlns:a14="http://schemas.microsoft.com/office/drawing/2010/main" val="0"/>
@@ -9009,6 +10245,44 @@
           </a:extLst>
         </p:spPr>
       </p:pic>
+      <p:pic>
+        <p:nvPicPr>
+          <p:cNvPr id="3" name="Audio Recording Nov 27, 2022 at 7:52:46 PM" descr="Audio Recording Nov 27, 2022 at 7:52:46 PM">
+            <a:hlinkClick r:id="" action="ppaction://media"/>
+            <a:extLst>
+              <a:ext uri="{FF2B5EF4-FFF2-40B4-BE49-F238E27FC236}">
+                <a16:creationId xmlns:a16="http://schemas.microsoft.com/office/drawing/2014/main" id="{BA5E9CD5-BDB4-5A41-BB44-40937AF4E3E9}"/>
+              </a:ext>
+            </a:extLst>
+          </p:cNvPr>
+          <p:cNvPicPr>
+            <a:picLocks noChangeAspect="1"/>
+          </p:cNvPicPr>
+          <p:nvPr>
+            <a:audioFile r:link="rId2"/>
+            <p:extLst>
+              <p:ext uri="{DAA4B4D4-6D71-4841-9C94-3DE7FCFB9230}">
+                <p14:media xmlns:p14="http://schemas.microsoft.com/office/powerpoint/2010/main" r:embed="rId1"/>
+              </p:ext>
+            </p:extLst>
+          </p:nvPr>
+        </p:nvPicPr>
+        <p:blipFill>
+          <a:blip r:embed="rId7"/>
+          <a:stretch>
+            <a:fillRect/>
+          </a:stretch>
+        </p:blipFill>
+        <p:spPr>
+          <a:xfrm>
+            <a:off x="0" y="0"/>
+            <a:ext cx="812800" cy="812800"/>
+          </a:xfrm>
+          <a:prstGeom prst="rect">
+            <a:avLst/>
+          </a:prstGeom>
+        </p:spPr>
+      </p:pic>
     </p:spTree>
     <p:extLst>
       <p:ext uri="{BB962C8B-B14F-4D97-AF65-F5344CB8AC3E}">
@@ -9019,6 +10293,90 @@
   <p:clrMapOvr>
     <a:masterClrMapping/>
   </p:clrMapOvr>
+  <p:timing>
+    <p:tnLst>
+      <p:par>
+        <p:cTn id="1" dur="indefinite" restart="never" nodeType="tmRoot">
+          <p:childTnLst>
+            <p:seq concurrent="1" nextAc="seek">
+              <p:cTn id="2" dur="indefinite" nodeType="mainSeq">
+                <p:childTnLst>
+                  <p:par>
+                    <p:cTn id="3" fill="hold">
+                      <p:stCondLst>
+                        <p:cond delay="indefinite"/>
+                      </p:stCondLst>
+                      <p:childTnLst>
+                        <p:par>
+                          <p:cTn id="4" fill="hold">
+                            <p:stCondLst>
+                              <p:cond delay="0"/>
+                            </p:stCondLst>
+                            <p:childTnLst>
+                              <p:par>
+                                <p:cTn id="5" presetID="1" presetClass="mediacall" presetSubtype="0" fill="hold" nodeType="clickEffect">
+                                  <p:stCondLst>
+                                    <p:cond delay="0"/>
+                                  </p:stCondLst>
+                                  <p:childTnLst>
+                                    <p:cmd type="call" cmd="playFrom(0.0)">
+                                      <p:cBhvr>
+                                        <p:cTn id="6" dur="31168" fill="hold"/>
+                                        <p:tgtEl>
+                                          <p:spTgt spid="3"/>
+                                        </p:tgtEl>
+                                      </p:cBhvr>
+                                    </p:cmd>
+                                  </p:childTnLst>
+                                </p:cTn>
+                              </p:par>
+                            </p:childTnLst>
+                          </p:cTn>
+                        </p:par>
+                      </p:childTnLst>
+                    </p:cTn>
+                  </p:par>
+                </p:childTnLst>
+              </p:cTn>
+              <p:prevCondLst>
+                <p:cond evt="onPrev" delay="0">
+                  <p:tgtEl>
+                    <p:sldTgt/>
+                  </p:tgtEl>
+                </p:cond>
+              </p:prevCondLst>
+              <p:nextCondLst>
+                <p:cond evt="onNext" delay="0">
+                  <p:tgtEl>
+                    <p:sldTgt/>
+                  </p:tgtEl>
+                </p:cond>
+              </p:nextCondLst>
+            </p:seq>
+            <p:audio>
+              <p:cMediaNode vol="80000" showWhenStopped="0">
+                <p:cTn id="7" fill="hold" display="0">
+                  <p:stCondLst>
+                    <p:cond delay="indefinite"/>
+                  </p:stCondLst>
+                  <p:endCondLst>
+                    <p:cond evt="onStopAudio" delay="0">
+                      <p:tgtEl>
+                        <p:sldTgt/>
+                      </p:tgtEl>
+                    </p:cond>
+                  </p:endCondLst>
+                </p:cTn>
+                <p:tgtEl>
+                  <p:spTgt spid="3"/>
+                </p:tgtEl>
+              </p:cMediaNode>
+            </p:audio>
+          </p:childTnLst>
+        </p:cTn>
+      </p:par>
+    </p:tnLst>
+  </p:timing>
 </p:sld>
 </file>
 
@@ -9087,7 +10445,7 @@
           <p:nvPr/>
         </p:nvPicPr>
         <p:blipFill>
-          <a:blip r:embed="rId3">
+          <a:blip r:embed="rId5">
             <a:extLst>
               <a:ext uri="{28A0092B-C50C-407E-A947-70E740481C1C}">
                 <a14:useLocalDpi xmlns:a14="http://schemas.microsoft.com/office/drawing/2010/main" val="0"/>
@@ -9134,7 +10492,7 @@
           <p:nvPr/>
         </p:nvPicPr>
         <p:blipFill>
-          <a:blip r:embed="rId4">
+          <a:blip r:embed="rId6">
             <a:extLst>
               <a:ext uri="{28A0092B-C50C-407E-A947-70E740481C1C}">
                 <a14:useLocalDpi xmlns:a14="http://schemas.microsoft.com/office/drawing/2010/main" val="0"/>
@@ -9166,6 +10524,44 @@
           </a:extLst>
         </p:spPr>
       </p:pic>
+      <p:pic>
+        <p:nvPicPr>
+          <p:cNvPr id="3" name="Audio Recording Nov 27, 2022 at 7:55:08 PM" descr="Audio Recording Nov 27, 2022 at 7:55:08 PM">
+            <a:hlinkClick r:id="" action="ppaction://media"/>
+            <a:extLst>
+              <a:ext uri="{FF2B5EF4-FFF2-40B4-BE49-F238E27FC236}">
+                <a16:creationId xmlns:a16="http://schemas.microsoft.com/office/drawing/2014/main" id="{14856ACD-87B4-0749-97B4-3784EDA9C260}"/>
+              </a:ext>
+            </a:extLst>
+          </p:cNvPr>
+          <p:cNvPicPr>
+            <a:picLocks noChangeAspect="1"/>
+          </p:cNvPicPr>
+          <p:nvPr>
+            <a:audioFile r:link="rId2"/>
+            <p:extLst>
+              <p:ext uri="{DAA4B4D4-6D71-4841-9C94-3DE7FCFB9230}">
+                <p14:media xmlns:p14="http://schemas.microsoft.com/office/powerpoint/2010/main" r:embed="rId1"/>
+              </p:ext>
+            </p:extLst>
+          </p:nvPr>
+        </p:nvPicPr>
+        <p:blipFill>
+          <a:blip r:embed="rId7"/>
+          <a:stretch>
+            <a:fillRect/>
+          </a:stretch>
+        </p:blipFill>
+        <p:spPr>
+          <a:xfrm>
+            <a:off x="161132" y="50800"/>
+            <a:ext cx="812800" cy="812800"/>
+          </a:xfrm>
+          <a:prstGeom prst="rect">
+            <a:avLst/>
+          </a:prstGeom>
+        </p:spPr>
+      </p:pic>
     </p:spTree>
     <p:extLst>
       <p:ext uri="{BB962C8B-B14F-4D97-AF65-F5344CB8AC3E}">
@@ -9176,6 +10572,90 @@
   <p:clrMapOvr>
     <a:masterClrMapping/>
   </p:clrMapOvr>
+  <p:timing>
+    <p:tnLst>
+      <p:par>
+        <p:cTn id="1" dur="indefinite" restart="never" nodeType="tmRoot">
+          <p:childTnLst>
+            <p:seq concurrent="1" nextAc="seek">
+              <p:cTn id="2" dur="indefinite" nodeType="mainSeq">
+                <p:childTnLst>
+                  <p:par>
+                    <p:cTn id="3" fill="hold">
+                      <p:stCondLst>
+                        <p:cond delay="indefinite"/>
+                      </p:stCondLst>
+                      <p:childTnLst>
+                        <p:par>
+                          <p:cTn id="4" fill="hold">
+                            <p:stCondLst>
+                              <p:cond delay="0"/>
+                            </p:stCondLst>
+                            <p:childTnLst>
+                              <p:par>
+                                <p:cTn id="5" presetID="1" presetClass="mediacall" presetSubtype="0" fill="hold" nodeType="clickEffect">
+                                  <p:stCondLst>
+                                    <p:cond delay="0"/>
+                                  </p:stCondLst>
+                                  <p:childTnLst>
+                                    <p:cmd type="call" cmd="playFrom(0.0)">
+                                      <p:cBhvr>
+                                        <p:cTn id="6" dur="36672" fill="hold"/>
+                                        <p:tgtEl>
+                                          <p:spTgt spid="3"/>
+                                        </p:tgtEl>
+                                      </p:cBhvr>
+                                    </p:cmd>
+                                  </p:childTnLst>
+                                </p:cTn>
+                              </p:par>
+                            </p:childTnLst>
+                          </p:cTn>
+                        </p:par>
+                      </p:childTnLst>
+                    </p:cTn>
+                  </p:par>
+                </p:childTnLst>
+              </p:cTn>
+              <p:prevCondLst>
+                <p:cond evt="onPrev" delay="0">
+                  <p:tgtEl>
+                    <p:sldTgt/>
+                  </p:tgtEl>
+                </p:cond>
+              </p:prevCondLst>
+              <p:nextCondLst>
+                <p:cond evt="onNext" delay="0">
+                  <p:tgtEl>
+                    <p:sldTgt/>
+                  </p:tgtEl>
+                </p:cond>
+              </p:nextCondLst>
+            </p:seq>
+            <p:audio>
+              <p:cMediaNode vol="80000" showWhenStopped="0">
+                <p:cTn id="7" fill="hold" display="0">
+                  <p:stCondLst>
+                    <p:cond delay="indefinite"/>
+                  </p:stCondLst>
+                  <p:endCondLst>
+                    <p:cond evt="onStopAudio" delay="0">
+                      <p:tgtEl>
+                        <p:sldTgt/>
+                      </p:tgtEl>
+                    </p:cond>
+                  </p:endCondLst>
+                </p:cTn>
+                <p:tgtEl>
+                  <p:spTgt spid="3"/>
+                </p:tgtEl>
+              </p:cMediaNode>
+            </p:audio>
+          </p:childTnLst>
+        </p:cTn>
+      </p:par>
+    </p:tnLst>
+  </p:timing>
 </p:sld>
 </file>
 
@@ -9244,7 +10724,7 @@
           <p:nvPr/>
         </p:nvPicPr>
         <p:blipFill>
-          <a:blip r:embed="rId3">
+          <a:blip r:embed="rId5">
             <a:extLst>
               <a:ext uri="{28A0092B-C50C-407E-A947-70E740481C1C}">
                 <a14:useLocalDpi xmlns:a14="http://schemas.microsoft.com/office/drawing/2010/main" val="0"/>
@@ -9291,7 +10771,7 @@
           <p:nvPr/>
         </p:nvPicPr>
         <p:blipFill>
-          <a:blip r:embed="rId4">
+          <a:blip r:embed="rId6">
             <a:extLst>
               <a:ext uri="{28A0092B-C50C-407E-A947-70E740481C1C}">
                 <a14:useLocalDpi xmlns:a14="http://schemas.microsoft.com/office/drawing/2010/main" val="0"/>
@@ -9323,6 +10803,44 @@
           </a:extLst>
         </p:spPr>
       </p:pic>
+      <p:pic>
+        <p:nvPicPr>
+          <p:cNvPr id="3" name="Audio Recording Nov 27, 2022 at 8:16:46 PM" descr="Audio Recording Nov 27, 2022 at 8:16:46 PM">
+            <a:hlinkClick r:id="" action="ppaction://media"/>
+            <a:extLst>
+              <a:ext uri="{FF2B5EF4-FFF2-40B4-BE49-F238E27FC236}">
+                <a16:creationId xmlns:a16="http://schemas.microsoft.com/office/drawing/2014/main" id="{D9B0A532-A32B-F74E-B30B-793735E62540}"/>
+              </a:ext>
+            </a:extLst>
+          </p:cNvPr>
+          <p:cNvPicPr>
+            <a:picLocks noChangeAspect="1"/>
+          </p:cNvPicPr>
+          <p:nvPr>
+            <a:audioFile r:link="rId2"/>
+            <p:extLst>
+              <p:ext uri="{DAA4B4D4-6D71-4841-9C94-3DE7FCFB9230}">
+                <p14:media xmlns:p14="http://schemas.microsoft.com/office/powerpoint/2010/main" r:embed="rId1"/>
+              </p:ext>
+            </p:extLst>
+          </p:nvPr>
+        </p:nvPicPr>
+        <p:blipFill>
+          <a:blip r:embed="rId7"/>
+          <a:stretch>
+            <a:fillRect/>
+          </a:stretch>
+        </p:blipFill>
+        <p:spPr>
+          <a:xfrm>
+            <a:off x="-3175" y="0"/>
+            <a:ext cx="812800" cy="812800"/>
+          </a:xfrm>
+          <a:prstGeom prst="rect">
+            <a:avLst/>
+          </a:prstGeom>
+        </p:spPr>
+      </p:pic>
     </p:spTree>
     <p:extLst>
       <p:ext uri="{BB962C8B-B14F-4D97-AF65-F5344CB8AC3E}">
@@ -9333,6 +10851,90 @@
   <p:clrMapOvr>
     <a:masterClrMapping/>
   </p:clrMapOvr>
+  <p:timing>
+    <p:tnLst>
+      <p:par>
+        <p:cTn id="1" dur="indefinite" restart="never" nodeType="tmRoot">
+          <p:childTnLst>
+            <p:seq concurrent="1" nextAc="seek">
+              <p:cTn id="2" dur="indefinite" nodeType="mainSeq">
+                <p:childTnLst>
+                  <p:par>
+                    <p:cTn id="3" fill="hold">
+                      <p:stCondLst>
+                        <p:cond delay="indefinite"/>
+                      </p:stCondLst>
+                      <p:childTnLst>
+                        <p:par>
+                          <p:cTn id="4" fill="hold">
+                            <p:stCondLst>
+                              <p:cond delay="0"/>
+                            </p:stCondLst>
+                            <p:childTnLst>
+                              <p:par>
+                                <p:cTn id="5" presetID="1" presetClass="mediacall" presetSubtype="0" fill="hold" nodeType="clickEffect">
+                                  <p:stCondLst>
+                                    <p:cond delay="0"/>
+                                  </p:stCondLst>
+                                  <p:childTnLst>
+                                    <p:cmd type="call" cmd="playFrom(0.0)">
+                                      <p:cBhvr>
+                                        <p:cTn id="6" dur="84544" fill="hold"/>
+                                        <p:tgtEl>
+                                          <p:spTgt spid="3"/>
+                                        </p:tgtEl>
+                                      </p:cBhvr>
+                                    </p:cmd>
+                                  </p:childTnLst>
+                                </p:cTn>
+                              </p:par>
+                            </p:childTnLst>
+                          </p:cTn>
+                        </p:par>
+                      </p:childTnLst>
+                    </p:cTn>
+                  </p:par>
+                </p:childTnLst>
+              </p:cTn>
+              <p:prevCondLst>
+                <p:cond evt="onPrev" delay="0">
+                  <p:tgtEl>
+                    <p:sldTgt/>
+                  </p:tgtEl>
+                </p:cond>
+              </p:prevCondLst>
+              <p:nextCondLst>
+                <p:cond evt="onNext" delay="0">
+                  <p:tgtEl>
+                    <p:sldTgt/>
+                  </p:tgtEl>
+                </p:cond>
+              </p:nextCondLst>
+            </p:seq>
+            <p:audio>
+              <p:cMediaNode vol="80000" showWhenStopped="0">
+                <p:cTn id="7" fill="hold" display="0">
+                  <p:stCondLst>
+                    <p:cond delay="indefinite"/>
+                  </p:stCondLst>
+                  <p:endCondLst>
+                    <p:cond evt="onStopAudio" delay="0">
+                      <p:tgtEl>
+                        <p:sldTgt/>
+                      </p:tgtEl>
+                    </p:cond>
+                  </p:endCondLst>
+                </p:cTn>
+                <p:tgtEl>
+                  <p:spTgt spid="3"/>
+                </p:tgtEl>
+              </p:cMediaNode>
+            </p:audio>
+          </p:childTnLst>
+        </p:cTn>
+      </p:par>
+    </p:tnLst>
+  </p:timing>
 </p:sld>
 </file>
 
@@ -9401,7 +11003,7 @@
           <p:nvPr/>
         </p:nvPicPr>
         <p:blipFill>
-          <a:blip r:embed="rId3">
+          <a:blip r:embed="rId5">
             <a:extLst>
               <a:ext uri="{28A0092B-C50C-407E-A947-70E740481C1C}">
                 <a14:useLocalDpi xmlns:a14="http://schemas.microsoft.com/office/drawing/2010/main" val="0"/>
@@ -9433,6 +11035,44 @@
           </a:extLst>
         </p:spPr>
       </p:pic>
+      <p:pic>
+        <p:nvPicPr>
+          <p:cNvPr id="3" name="Audio Recording Nov 27, 2022 at 8:05:38 PM" descr="Audio Recording Nov 27, 2022 at 8:05:38 PM">
+            <a:hlinkClick r:id="" action="ppaction://media"/>
+            <a:extLst>
+              <a:ext uri="{FF2B5EF4-FFF2-40B4-BE49-F238E27FC236}">
+                <a16:creationId xmlns:a16="http://schemas.microsoft.com/office/drawing/2014/main" id="{87AD79F0-3DB5-5F43-B6A9-7328FE9388E7}"/>
+              </a:ext>
+            </a:extLst>
+          </p:cNvPr>
+          <p:cNvPicPr>
+            <a:picLocks noChangeAspect="1"/>
+          </p:cNvPicPr>
+          <p:nvPr>
+            <a:audioFile r:link="rId2"/>
+            <p:extLst>
+              <p:ext uri="{DAA4B4D4-6D71-4841-9C94-3DE7FCFB9230}">
+                <p14:media xmlns:p14="http://schemas.microsoft.com/office/powerpoint/2010/main" r:embed="rId1"/>
+              </p:ext>
+            </p:extLst>
+          </p:nvPr>
+        </p:nvPicPr>
+        <p:blipFill>
+          <a:blip r:embed="rId6"/>
+          <a:stretch>
+            <a:fillRect/>
+          </a:stretch>
+        </p:blipFill>
+        <p:spPr>
+          <a:xfrm>
+            <a:off x="25401" y="50800"/>
+            <a:ext cx="812800" cy="812800"/>
+          </a:xfrm>
+          <a:prstGeom prst="rect">
+            <a:avLst/>
+          </a:prstGeom>
+        </p:spPr>
+      </p:pic>
     </p:spTree>
     <p:extLst>
       <p:ext uri="{BB962C8B-B14F-4D97-AF65-F5344CB8AC3E}">
@@ -9443,6 +11083,90 @@
   <p:clrMapOvr>
     <a:masterClrMapping/>
   </p:clrMapOvr>
+  <p:timing>
+    <p:tnLst>
+      <p:par>
+        <p:cTn id="1" dur="indefinite" restart="never" nodeType="tmRoot">
+          <p:childTnLst>
+            <p:seq concurrent="1" nextAc="seek">
+              <p:cTn id="2" dur="indefinite" nodeType="mainSeq">
+                <p:childTnLst>
+                  <p:par>
+                    <p:cTn id="3" fill="hold">
+                      <p:stCondLst>
+                        <p:cond delay="indefinite"/>
+                      </p:stCondLst>
+                      <p:childTnLst>
+                        <p:par>
+                          <p:cTn id="4" fill="hold">
+                            <p:stCondLst>
+                              <p:cond delay="0"/>
+                            </p:stCondLst>
+                            <p:childTnLst>
+                              <p:par>
+                                <p:cTn id="5" presetID="1" presetClass="mediacall" presetSubtype="0" fill="hold" nodeType="clickEffect">
+                                  <p:stCondLst>
+                                    <p:cond delay="0"/>
+                                  </p:stCondLst>
+                                  <p:childTnLst>
+                                    <p:cmd type="call" cmd="playFrom(0.0)">
+                                      <p:cBhvr>
+                                        <p:cTn id="6" dur="45568" fill="hold"/>
+                                        <p:tgtEl>
+                                          <p:spTgt spid="3"/>
+                                        </p:tgtEl>
+                                      </p:cBhvr>
+                                    </p:cmd>
+                                  </p:childTnLst>
+                                </p:cTn>
+                              </p:par>
+                            </p:childTnLst>
+                          </p:cTn>
+                        </p:par>
+                      </p:childTnLst>
+                    </p:cTn>
+                  </p:par>
+                </p:childTnLst>
+              </p:cTn>
+              <p:prevCondLst>
+                <p:cond evt="onPrev" delay="0">
+                  <p:tgtEl>
+                    <p:sldTgt/>
+                  </p:tgtEl>
+                </p:cond>
+              </p:prevCondLst>
+              <p:nextCondLst>
+                <p:cond evt="onNext" delay="0">
+                  <p:tgtEl>
+                    <p:sldTgt/>
+                  </p:tgtEl>
+                </p:cond>
+              </p:nextCondLst>
+            </p:seq>
+            <p:audio>
+              <p:cMediaNode vol="80000" showWhenStopped="0">
+                <p:cTn id="7" fill="hold" display="0">
+                  <p:stCondLst>
+                    <p:cond delay="indefinite"/>
+                  </p:stCondLst>
+                  <p:endCondLst>
+                    <p:cond evt="onStopAudio" delay="0">
+                      <p:tgtEl>
+                        <p:sldTgt/>
+                      </p:tgtEl>
+                    </p:cond>
+                  </p:endCondLst>
+                </p:cTn>
+                <p:tgtEl>
+                  <p:spTgt spid="3"/>
+                </p:tgtEl>
+              </p:cMediaNode>
+            </p:audio>
+          </p:childTnLst>
+        </p:cTn>
+      </p:par>
+    </p:tnLst>
+  </p:timing>
 </p:sld>
 </file>
 
@@ -9511,7 +11235,7 @@
           <p:nvPr/>
         </p:nvPicPr>
         <p:blipFill>
-          <a:blip r:embed="rId3">
+          <a:blip r:embed="rId5">
             <a:extLst>
               <a:ext uri="{28A0092B-C50C-407E-A947-70E740481C1C}">
                 <a14:useLocalDpi xmlns:a14="http://schemas.microsoft.com/office/drawing/2010/main" val="0"/>
@@ -9543,6 +11267,44 @@
           </a:extLst>
         </p:spPr>
       </p:pic>
+      <p:pic>
+        <p:nvPicPr>
+          <p:cNvPr id="3" name="Audio Recording Nov 27, 2022 at 8:03:40 PM" descr="Audio Recording Nov 27, 2022 at 8:03:40 PM">
+            <a:hlinkClick r:id="" action="ppaction://media"/>
+            <a:extLst>
+              <a:ext uri="{FF2B5EF4-FFF2-40B4-BE49-F238E27FC236}">
+                <a16:creationId xmlns:a16="http://schemas.microsoft.com/office/drawing/2014/main" id="{B237FAD4-8A71-E744-AC82-5E3C28E6AE3C}"/>
+              </a:ext>
+            </a:extLst>
+          </p:cNvPr>
+          <p:cNvPicPr>
+            <a:picLocks noChangeAspect="1"/>
+          </p:cNvPicPr>
+          <p:nvPr>
+            <a:audioFile r:link="rId2"/>
+            <p:extLst>
+              <p:ext uri="{DAA4B4D4-6D71-4841-9C94-3DE7FCFB9230}">
+                <p14:media xmlns:p14="http://schemas.microsoft.com/office/powerpoint/2010/main" r:embed="rId1"/>
+              </p:ext>
+            </p:extLst>
+          </p:nvPr>
+        </p:nvPicPr>
+        <p:blipFill>
+          <a:blip r:embed="rId6"/>
+          <a:stretch>
+            <a:fillRect/>
+          </a:stretch>
+        </p:blipFill>
+        <p:spPr>
+          <a:xfrm>
+            <a:off x="0" y="0"/>
+            <a:ext cx="812800" cy="812800"/>
+          </a:xfrm>
+          <a:prstGeom prst="rect">
+            <a:avLst/>
+          </a:prstGeom>
+        </p:spPr>
+      </p:pic>
     </p:spTree>
     <p:extLst>
       <p:ext uri="{BB962C8B-B14F-4D97-AF65-F5344CB8AC3E}">
@@ -9553,6 +11315,90 @@
   <p:clrMapOvr>
     <a:masterClrMapping/>
   </p:clrMapOvr>
+  <p:timing>
+    <p:tnLst>
+      <p:par>
+        <p:cTn id="1" dur="indefinite" restart="never" nodeType="tmRoot">
+          <p:childTnLst>
+            <p:seq concurrent="1" nextAc="seek">
+              <p:cTn id="2" dur="indefinite" nodeType="mainSeq">
+                <p:childTnLst>
+                  <p:par>
+                    <p:cTn id="3" fill="hold">
+                      <p:stCondLst>
+                        <p:cond delay="indefinite"/>
+                      </p:stCondLst>
+                      <p:childTnLst>
+                        <p:par>
+                          <p:cTn id="4" fill="hold">
+                            <p:stCondLst>
+                              <p:cond delay="0"/>
+                            </p:stCondLst>
+                            <p:childTnLst>
+                              <p:par>
+                                <p:cTn id="5" presetID="1" presetClass="mediacall" presetSubtype="0" fill="hold" nodeType="clickEffect">
+                                  <p:stCondLst>
+                                    <p:cond delay="0"/>
+                                  </p:stCondLst>
+                                  <p:childTnLst>
+                                    <p:cmd type="call" cmd="playFrom(0.0)">
+                                      <p:cBhvr>
+                                        <p:cTn id="6" dur="38144" fill="hold"/>
+                                        <p:tgtEl>
+                                          <p:spTgt spid="3"/>
+                                        </p:tgtEl>
+                                      </p:cBhvr>
+                                    </p:cmd>
+                                  </p:childTnLst>
+                                </p:cTn>
+                              </p:par>
+                            </p:childTnLst>
+                          </p:cTn>
+                        </p:par>
+                      </p:childTnLst>
+                    </p:cTn>
+                  </p:par>
+                </p:childTnLst>
+              </p:cTn>
+              <p:prevCondLst>
+                <p:cond evt="onPrev" delay="0">
+                  <p:tgtEl>
+                    <p:sldTgt/>
+                  </p:tgtEl>
+                </p:cond>
+              </p:prevCondLst>
+              <p:nextCondLst>
+                <p:cond evt="onNext" delay="0">
+                  <p:tgtEl>
+                    <p:sldTgt/>
+                  </p:tgtEl>
+                </p:cond>
+              </p:nextCondLst>
+            </p:seq>
+            <p:audio>
+              <p:cMediaNode vol="80000" showWhenStopped="0">
+                <p:cTn id="7" fill="hold" display="0">
+                  <p:stCondLst>
+                    <p:cond delay="indefinite"/>
+                  </p:stCondLst>
+                  <p:endCondLst>
+                    <p:cond evt="onStopAudio" delay="0">
+                      <p:tgtEl>
+                        <p:sldTgt/>
+                      </p:tgtEl>
+                    </p:cond>
+                  </p:endCondLst>
+                </p:cTn>
+                <p:tgtEl>
+                  <p:spTgt spid="3"/>
+                </p:tgtEl>
+              </p:cMediaNode>
+            </p:audio>
+          </p:childTnLst>
+        </p:cTn>
+      </p:par>
+    </p:tnLst>
+  </p:timing>
 </p:sld>
 </file>
 

--- a/4710PresentationUpdated.pptx
+++ b/4710PresentationUpdated.pptx
@@ -1023,7 +1023,15 @@
           <a:p>
             <a:r>
               <a:rPr lang="en-US" dirty="0"/>
-              <a:t>Our group is first using the Apriori Algorithm to mine interesting associations occurring in individuals diagnosed with Covid-19 that would imply the development of Long Covid. We are then building and training a model using K-Mode Clustering to predict the possibility of developing Long Covid based on demographic and symptom data surveyed from individuals who have been diagnosed with Long Covid. The model will be validated, with the number of clusters optimized, and then tested for accuracy using additional Long Covid datasets. Finally, we will use the discovered association rules to further analyze and track the accuracy of the model.</a:t>
+              <a:t>Our group is first using the Apriori Algorithm to mine interesting associations occurring in individuals diagnosed with Covid-19 that would imply the development of Long Covid. We are using K-Mode Clustering to explore datasets detailing demographical information and symptoms surveyed from Long Covid patients and then plan on training a classifier on an </a:t>
+            </a:r>
+            <a:r>
+              <a:rPr lang="en-US"/>
+              <a:t>additional dataset to </a:t>
+            </a:r>
+            <a:r>
+              <a:rPr lang="en-US" dirty="0"/>
+              <a:t>predict the possibility of developing Long Covid. The model will be validated, with the number of clusters optimized, and then tested for accuracy using additional Long Covid datasets. Finally, we will use the discovered association rules to further analyze and track the accuracy of the model.</a:t>
             </a:r>
           </a:p>
           <a:p>
@@ -9637,7 +9645,7 @@
           <a:p>
             <a:r>
               <a:rPr lang="en-US" dirty="0"/>
-              <a:t>Building and training a model using K-Mode Clustering to predict the possibility of developing Long Covid</a:t>
+              <a:t>Performing K-Mode Clustering and training a classifier to predict the possibility of developing Long Covid</a:t>
             </a:r>
           </a:p>
           <a:p>
